--- a/Exploratory Analysis of Dating Applications.pptx
+++ b/Exploratory Analysis of Dating Applications.pptx
@@ -2,7 +2,7 @@
 <file path=ppt/presentation.xml><?xml version="1.0" encoding="utf-8"?>
 <p:presentation xmlns:a="http://schemas.openxmlformats.org/drawingml/2006/main" xmlns:r="http://schemas.openxmlformats.org/officeDocument/2006/relationships" xmlns:p="http://schemas.openxmlformats.org/presentationml/2006/main" saveSubsetFonts="1">
   <p:sldMasterIdLst>
-    <p:sldMasterId id="2147483648" r:id="rId1"/>
+    <p:sldMasterId id="2147483726" r:id="rId1"/>
   </p:sldMasterIdLst>
   <p:sldIdLst>
     <p:sldId id="256" r:id="rId2"/>
@@ -32,7 +32,7 @@
     <a:defPPr>
       <a:defRPr lang="en-US"/>
     </a:defPPr>
-    <a:lvl1pPr marL="0" algn="l" defTabSz="914400" rtl="0" eaLnBrk="1" latinLnBrk="0" hangingPunct="1">
+    <a:lvl1pPr marL="0" algn="l" defTabSz="457200" rtl="0" eaLnBrk="1" latinLnBrk="0" hangingPunct="1">
       <a:defRPr sz="1800" kern="1200">
         <a:solidFill>
           <a:schemeClr val="tx1"/>
@@ -42,7 +42,7 @@
         <a:cs typeface="+mn-cs"/>
       </a:defRPr>
     </a:lvl1pPr>
-    <a:lvl2pPr marL="457200" algn="l" defTabSz="914400" rtl="0" eaLnBrk="1" latinLnBrk="0" hangingPunct="1">
+    <a:lvl2pPr marL="457200" algn="l" defTabSz="457200" rtl="0" eaLnBrk="1" latinLnBrk="0" hangingPunct="1">
       <a:defRPr sz="1800" kern="1200">
         <a:solidFill>
           <a:schemeClr val="tx1"/>
@@ -52,7 +52,7 @@
         <a:cs typeface="+mn-cs"/>
       </a:defRPr>
     </a:lvl2pPr>
-    <a:lvl3pPr marL="914400" algn="l" defTabSz="914400" rtl="0" eaLnBrk="1" latinLnBrk="0" hangingPunct="1">
+    <a:lvl3pPr marL="914400" algn="l" defTabSz="457200" rtl="0" eaLnBrk="1" latinLnBrk="0" hangingPunct="1">
       <a:defRPr sz="1800" kern="1200">
         <a:solidFill>
           <a:schemeClr val="tx1"/>
@@ -62,7 +62,7 @@
         <a:cs typeface="+mn-cs"/>
       </a:defRPr>
     </a:lvl3pPr>
-    <a:lvl4pPr marL="1371600" algn="l" defTabSz="914400" rtl="0" eaLnBrk="1" latinLnBrk="0" hangingPunct="1">
+    <a:lvl4pPr marL="1371600" algn="l" defTabSz="457200" rtl="0" eaLnBrk="1" latinLnBrk="0" hangingPunct="1">
       <a:defRPr sz="1800" kern="1200">
         <a:solidFill>
           <a:schemeClr val="tx1"/>
@@ -72,7 +72,7 @@
         <a:cs typeface="+mn-cs"/>
       </a:defRPr>
     </a:lvl4pPr>
-    <a:lvl5pPr marL="1828800" algn="l" defTabSz="914400" rtl="0" eaLnBrk="1" latinLnBrk="0" hangingPunct="1">
+    <a:lvl5pPr marL="1828800" algn="l" defTabSz="457200" rtl="0" eaLnBrk="1" latinLnBrk="0" hangingPunct="1">
       <a:defRPr sz="1800" kern="1200">
         <a:solidFill>
           <a:schemeClr val="tx1"/>
@@ -82,7 +82,7 @@
         <a:cs typeface="+mn-cs"/>
       </a:defRPr>
     </a:lvl5pPr>
-    <a:lvl6pPr marL="2286000" algn="l" defTabSz="914400" rtl="0" eaLnBrk="1" latinLnBrk="0" hangingPunct="1">
+    <a:lvl6pPr marL="2286000" algn="l" defTabSz="457200" rtl="0" eaLnBrk="1" latinLnBrk="0" hangingPunct="1">
       <a:defRPr sz="1800" kern="1200">
         <a:solidFill>
           <a:schemeClr val="tx1"/>
@@ -92,7 +92,7 @@
         <a:cs typeface="+mn-cs"/>
       </a:defRPr>
     </a:lvl6pPr>
-    <a:lvl7pPr marL="2743200" algn="l" defTabSz="914400" rtl="0" eaLnBrk="1" latinLnBrk="0" hangingPunct="1">
+    <a:lvl7pPr marL="2743200" algn="l" defTabSz="457200" rtl="0" eaLnBrk="1" latinLnBrk="0" hangingPunct="1">
       <a:defRPr sz="1800" kern="1200">
         <a:solidFill>
           <a:schemeClr val="tx1"/>
@@ -102,7 +102,7 @@
         <a:cs typeface="+mn-cs"/>
       </a:defRPr>
     </a:lvl7pPr>
-    <a:lvl8pPr marL="3200400" algn="l" defTabSz="914400" rtl="0" eaLnBrk="1" latinLnBrk="0" hangingPunct="1">
+    <a:lvl8pPr marL="3200400" algn="l" defTabSz="457200" rtl="0" eaLnBrk="1" latinLnBrk="0" hangingPunct="1">
       <a:defRPr sz="1800" kern="1200">
         <a:solidFill>
           <a:schemeClr val="tx1"/>
@@ -112,7 +112,7 @@
         <a:cs typeface="+mn-cs"/>
       </a:defRPr>
     </a:lvl8pPr>
-    <a:lvl9pPr marL="3657600" algn="l" defTabSz="914400" rtl="0" eaLnBrk="1" latinLnBrk="0" hangingPunct="1">
+    <a:lvl9pPr marL="3657600" algn="l" defTabSz="457200" rtl="0" eaLnBrk="1" latinLnBrk="0" hangingPunct="1">
       <a:defRPr sz="1800" kern="1200">
         <a:solidFill>
           <a:schemeClr val="tx1"/>
@@ -123,6 +123,11 @@
       </a:defRPr>
     </a:lvl9pPr>
   </p:defaultTextStyle>
+  <p:extLst>
+    <p:ext uri="{EFAFB233-063F-42B5-8137-9DF3F51BA10A}">
+      <p15:sldGuideLst xmlns:p15="http://schemas.microsoft.com/office/powerpoint/2012/main"/>
+    </p:ext>
+  </p:extLst>
 </p:presentation>
 </file>
 
@@ -145,13 +150,7 @@
       </p:grpSpPr>
       <p:sp>
         <p:nvSpPr>
-          <p:cNvPr id="2" name="Title 1">
-            <a:extLst>
-              <a:ext uri="{FF2B5EF4-FFF2-40B4-BE49-F238E27FC236}">
-                <a16:creationId xmlns:a16="http://schemas.microsoft.com/office/drawing/2014/main" id="{66D2FCF1-1677-5EE0-7827-5940A28C6636}"/>
-              </a:ext>
-            </a:extLst>
-          </p:cNvPr>
+          <p:cNvPr id="2" name="Title 1"/>
           <p:cNvSpPr>
             <a:spLocks noGrp="1"/>
           </p:cNvSpPr>
@@ -161,15 +160,17 @@
         </p:nvSpPr>
         <p:spPr>
           <a:xfrm>
-            <a:off x="1524000" y="1122363"/>
-            <a:ext cx="9144000" cy="2387600"/>
+            <a:off x="2417779" y="802298"/>
+            <a:ext cx="8637073" cy="2541431"/>
           </a:xfrm>
         </p:spPr>
         <p:txBody>
-          <a:bodyPr anchor="b"/>
+          <a:bodyPr bIns="0" anchor="b">
+            <a:normAutofit/>
+          </a:bodyPr>
           <a:lstStyle>
-            <a:lvl1pPr algn="ctr">
-              <a:defRPr sz="6000"/>
+            <a:lvl1pPr algn="l">
+              <a:defRPr sz="6600"/>
             </a:lvl1pPr>
           </a:lstStyle>
           <a:p>
@@ -177,18 +178,13 @@
               <a:rPr lang="en-US"/>
               <a:t>Click to edit Master title style</a:t>
             </a:r>
-          </a:p>
-        </p:txBody>
-      </p:sp>
-      <p:sp>
-        <p:nvSpPr>
-          <p:cNvPr id="3" name="Subtitle 2">
-            <a:extLst>
-              <a:ext uri="{FF2B5EF4-FFF2-40B4-BE49-F238E27FC236}">
-                <a16:creationId xmlns:a16="http://schemas.microsoft.com/office/drawing/2014/main" id="{89635636-72EE-D45A-C3D0-8A6F770D3511}"/>
-              </a:ext>
-            </a:extLst>
-          </p:cNvPr>
+            <a:endParaRPr lang="en-US" dirty="0"/>
+          </a:p>
+        </p:txBody>
+      </p:sp>
+      <p:sp>
+        <p:nvSpPr>
+          <p:cNvPr id="3" name="Subtitle 2"/>
           <p:cNvSpPr>
             <a:spLocks noGrp="1"/>
           </p:cNvSpPr>
@@ -198,20 +194,26 @@
         </p:nvSpPr>
         <p:spPr>
           <a:xfrm>
-            <a:off x="1524000" y="3602038"/>
-            <a:ext cx="9144000" cy="1655762"/>
+            <a:off x="2417780" y="3531204"/>
+            <a:ext cx="8637072" cy="977621"/>
           </a:xfrm>
         </p:spPr>
         <p:txBody>
-          <a:bodyPr/>
+          <a:bodyPr tIns="91440" bIns="91440">
+            <a:normAutofit/>
+          </a:bodyPr>
           <a:lstStyle>
-            <a:lvl1pPr marL="0" indent="0" algn="ctr">
-              <a:buNone/>
-              <a:defRPr sz="2400"/>
+            <a:lvl1pPr marL="0" indent="0" algn="l">
+              <a:buNone/>
+              <a:defRPr sz="1800" b="0" cap="all" baseline="0">
+                <a:solidFill>
+                  <a:schemeClr val="tx1"/>
+                </a:solidFill>
+              </a:defRPr>
             </a:lvl1pPr>
             <a:lvl2pPr marL="457200" indent="0" algn="ctr">
               <a:buNone/>
-              <a:defRPr sz="2000"/>
+              <a:defRPr sz="1800"/>
             </a:lvl2pPr>
             <a:lvl3pPr marL="914400" indent="0" algn="ctr">
               <a:buNone/>
@@ -247,18 +249,13 @@
               <a:rPr lang="en-US"/>
               <a:t>Click to edit Master subtitle style</a:t>
             </a:r>
-          </a:p>
-        </p:txBody>
-      </p:sp>
-      <p:sp>
-        <p:nvSpPr>
-          <p:cNvPr id="4" name="Date Placeholder 3">
-            <a:extLst>
-              <a:ext uri="{FF2B5EF4-FFF2-40B4-BE49-F238E27FC236}">
-                <a16:creationId xmlns:a16="http://schemas.microsoft.com/office/drawing/2014/main" id="{ECF15030-3514-D5D1-33DD-44459D2F1365}"/>
-              </a:ext>
-            </a:extLst>
-          </p:cNvPr>
+            <a:endParaRPr lang="en-US" dirty="0"/>
+          </a:p>
+        </p:txBody>
+      </p:sp>
+      <p:sp>
+        <p:nvSpPr>
+          <p:cNvPr id="4" name="Date Placeholder 3"/>
           <p:cNvSpPr>
             <a:spLocks noGrp="1"/>
           </p:cNvSpPr>
@@ -281,13 +278,7 @@
       </p:sp>
       <p:sp>
         <p:nvSpPr>
-          <p:cNvPr id="5" name="Footer Placeholder 4">
-            <a:extLst>
-              <a:ext uri="{FF2B5EF4-FFF2-40B4-BE49-F238E27FC236}">
-                <a16:creationId xmlns:a16="http://schemas.microsoft.com/office/drawing/2014/main" id="{BF483973-18CC-DC63-3F5C-9B6FC34F294B}"/>
-              </a:ext>
-            </a:extLst>
-          </p:cNvPr>
+          <p:cNvPr id="5" name="Footer Placeholder 4"/>
           <p:cNvSpPr>
             <a:spLocks noGrp="1"/>
           </p:cNvSpPr>
@@ -295,7 +286,12 @@
             <p:ph type="ftr" sz="quarter" idx="11"/>
           </p:nvPr>
         </p:nvSpPr>
-        <p:spPr/>
+        <p:spPr>
+          <a:xfrm>
+            <a:off x="2416500" y="329307"/>
+            <a:ext cx="4973915" cy="309201"/>
+          </a:xfrm>
+        </p:spPr>
         <p:txBody>
           <a:bodyPr/>
           <a:lstStyle/>
@@ -306,13 +302,7 @@
       </p:sp>
       <p:sp>
         <p:nvSpPr>
-          <p:cNvPr id="6" name="Slide Number Placeholder 5">
-            <a:extLst>
-              <a:ext uri="{FF2B5EF4-FFF2-40B4-BE49-F238E27FC236}">
-                <a16:creationId xmlns:a16="http://schemas.microsoft.com/office/drawing/2014/main" id="{ADB34DC8-2490-D4E2-DC1D-E8AC6F373E70}"/>
-              </a:ext>
-            </a:extLst>
-          </p:cNvPr>
+          <p:cNvPr id="6" name="Slide Number Placeholder 5"/>
           <p:cNvSpPr>
             <a:spLocks noGrp="1"/>
           </p:cNvSpPr>
@@ -320,7 +310,12 @@
             <p:ph type="sldNum" sz="quarter" idx="12"/>
           </p:nvPr>
         </p:nvSpPr>
-        <p:spPr/>
+        <p:spPr>
+          <a:xfrm>
+            <a:off x="1437664" y="798973"/>
+            <a:ext cx="811019" cy="503578"/>
+          </a:xfrm>
+        </p:spPr>
         <p:txBody>
           <a:bodyPr/>
           <a:lstStyle/>
@@ -333,10 +328,41 @@
           </a:p>
         </p:txBody>
       </p:sp>
+      <p:cxnSp>
+        <p:nvCxnSpPr>
+          <p:cNvPr id="15" name="Straight Connector 14"/>
+          <p:cNvCxnSpPr/>
+          <p:nvPr/>
+        </p:nvCxnSpPr>
+        <p:spPr>
+          <a:xfrm>
+            <a:off x="2417780" y="3528542"/>
+            <a:ext cx="8637072" cy="0"/>
+          </a:xfrm>
+          <a:prstGeom prst="line">
+            <a:avLst/>
+          </a:prstGeom>
+          <a:ln w="31750"/>
+        </p:spPr>
+        <p:style>
+          <a:lnRef idx="3">
+            <a:schemeClr val="accent1"/>
+          </a:lnRef>
+          <a:fillRef idx="0">
+            <a:schemeClr val="accent1"/>
+          </a:fillRef>
+          <a:effectRef idx="2">
+            <a:schemeClr val="accent1"/>
+          </a:effectRef>
+          <a:fontRef idx="minor">
+            <a:schemeClr val="tx1"/>
+          </a:fontRef>
+        </p:style>
+      </p:cxnSp>
     </p:spTree>
     <p:extLst>
       <p:ext uri="{BB962C8B-B14F-4D97-AF65-F5344CB8AC3E}">
-        <p14:creationId xmlns:p14="http://schemas.microsoft.com/office/powerpoint/2010/main" val="680469540"/>
+        <p14:creationId xmlns:p14="http://schemas.microsoft.com/office/powerpoint/2010/main" val="3622209365"/>
       </p:ext>
     </p:extLst>
   </p:cSld>
@@ -365,13 +391,7 @@
       </p:grpSpPr>
       <p:sp>
         <p:nvSpPr>
-          <p:cNvPr id="2" name="Title 1">
-            <a:extLst>
-              <a:ext uri="{FF2B5EF4-FFF2-40B4-BE49-F238E27FC236}">
-                <a16:creationId xmlns:a16="http://schemas.microsoft.com/office/drawing/2014/main" id="{53A56F54-20D3-E5A4-DC4F-77133671D034}"/>
-              </a:ext>
-            </a:extLst>
-          </p:cNvPr>
+          <p:cNvPr id="2" name="Title 1"/>
           <p:cNvSpPr>
             <a:spLocks noGrp="1"/>
           </p:cNvSpPr>
@@ -388,18 +408,13 @@
               <a:rPr lang="en-US"/>
               <a:t>Click to edit Master title style</a:t>
             </a:r>
-          </a:p>
-        </p:txBody>
-      </p:sp>
-      <p:sp>
-        <p:nvSpPr>
-          <p:cNvPr id="3" name="Vertical Text Placeholder 2">
-            <a:extLst>
-              <a:ext uri="{FF2B5EF4-FFF2-40B4-BE49-F238E27FC236}">
-                <a16:creationId xmlns:a16="http://schemas.microsoft.com/office/drawing/2014/main" id="{1EEA8CE1-A180-9ADE-735B-5CF5DDE9CEAE}"/>
-              </a:ext>
-            </a:extLst>
-          </p:cNvPr>
+            <a:endParaRPr lang="en-US" dirty="0"/>
+          </a:p>
+        </p:txBody>
+      </p:sp>
+      <p:sp>
+        <p:nvSpPr>
+          <p:cNvPr id="3" name="Vertical Text Placeholder 2"/>
           <p:cNvSpPr>
             <a:spLocks noGrp="1"/>
           </p:cNvSpPr>
@@ -445,18 +460,13 @@
               <a:rPr lang="en-US"/>
               <a:t>Fifth level</a:t>
             </a:r>
-          </a:p>
-        </p:txBody>
-      </p:sp>
-      <p:sp>
-        <p:nvSpPr>
-          <p:cNvPr id="4" name="Date Placeholder 3">
-            <a:extLst>
-              <a:ext uri="{FF2B5EF4-FFF2-40B4-BE49-F238E27FC236}">
-                <a16:creationId xmlns:a16="http://schemas.microsoft.com/office/drawing/2014/main" id="{C8CE0318-6A4C-3080-4EC7-373F06ECD842}"/>
-              </a:ext>
-            </a:extLst>
-          </p:cNvPr>
+            <a:endParaRPr lang="en-US" dirty="0"/>
+          </a:p>
+        </p:txBody>
+      </p:sp>
+      <p:sp>
+        <p:nvSpPr>
+          <p:cNvPr id="4" name="Date Placeholder 3"/>
           <p:cNvSpPr>
             <a:spLocks noGrp="1"/>
           </p:cNvSpPr>
@@ -479,13 +489,7 @@
       </p:sp>
       <p:sp>
         <p:nvSpPr>
-          <p:cNvPr id="5" name="Footer Placeholder 4">
-            <a:extLst>
-              <a:ext uri="{FF2B5EF4-FFF2-40B4-BE49-F238E27FC236}">
-                <a16:creationId xmlns:a16="http://schemas.microsoft.com/office/drawing/2014/main" id="{83119B29-12F9-4E1C-8D6A-6BC6D3A0B760}"/>
-              </a:ext>
-            </a:extLst>
-          </p:cNvPr>
+          <p:cNvPr id="5" name="Footer Placeholder 4"/>
           <p:cNvSpPr>
             <a:spLocks noGrp="1"/>
           </p:cNvSpPr>
@@ -504,13 +508,7 @@
       </p:sp>
       <p:sp>
         <p:nvSpPr>
-          <p:cNvPr id="6" name="Slide Number Placeholder 5">
-            <a:extLst>
-              <a:ext uri="{FF2B5EF4-FFF2-40B4-BE49-F238E27FC236}">
-                <a16:creationId xmlns:a16="http://schemas.microsoft.com/office/drawing/2014/main" id="{3FC85788-5DC0-6379-C197-551D2337A02C}"/>
-              </a:ext>
-            </a:extLst>
-          </p:cNvPr>
+          <p:cNvPr id="6" name="Slide Number Placeholder 5"/>
           <p:cNvSpPr>
             <a:spLocks noGrp="1"/>
           </p:cNvSpPr>
@@ -531,10 +529,41 @@
           </a:p>
         </p:txBody>
       </p:sp>
+      <p:cxnSp>
+        <p:nvCxnSpPr>
+          <p:cNvPr id="26" name="Straight Connector 25"/>
+          <p:cNvCxnSpPr/>
+          <p:nvPr/>
+        </p:nvCxnSpPr>
+        <p:spPr>
+          <a:xfrm>
+            <a:off x="1453896" y="1847088"/>
+            <a:ext cx="9607522" cy="0"/>
+          </a:xfrm>
+          <a:prstGeom prst="line">
+            <a:avLst/>
+          </a:prstGeom>
+          <a:ln w="31750"/>
+        </p:spPr>
+        <p:style>
+          <a:lnRef idx="3">
+            <a:schemeClr val="accent1"/>
+          </a:lnRef>
+          <a:fillRef idx="0">
+            <a:schemeClr val="accent1"/>
+          </a:fillRef>
+          <a:effectRef idx="2">
+            <a:schemeClr val="accent1"/>
+          </a:effectRef>
+          <a:fontRef idx="minor">
+            <a:schemeClr val="tx1"/>
+          </a:fontRef>
+        </p:style>
+      </p:cxnSp>
     </p:spTree>
     <p:extLst>
       <p:ext uri="{BB962C8B-B14F-4D97-AF65-F5344CB8AC3E}">
-        <p14:creationId xmlns:p14="http://schemas.microsoft.com/office/powerpoint/2010/main" val="1074275459"/>
+        <p14:creationId xmlns:p14="http://schemas.microsoft.com/office/powerpoint/2010/main" val="2375483018"/>
       </p:ext>
     </p:extLst>
   </p:cSld>
@@ -563,13 +592,7 @@
       </p:grpSpPr>
       <p:sp>
         <p:nvSpPr>
-          <p:cNvPr id="2" name="Vertical Title 1">
-            <a:extLst>
-              <a:ext uri="{FF2B5EF4-FFF2-40B4-BE49-F238E27FC236}">
-                <a16:creationId xmlns:a16="http://schemas.microsoft.com/office/drawing/2014/main" id="{CA99AF69-8A11-A437-5DE0-C606FA08801A}"/>
-              </a:ext>
-            </a:extLst>
-          </p:cNvPr>
+          <p:cNvPr id="2" name="Vertical Title 1"/>
           <p:cNvSpPr>
             <a:spLocks noGrp="1"/>
           </p:cNvSpPr>
@@ -579,30 +602,29 @@
         </p:nvSpPr>
         <p:spPr>
           <a:xfrm>
-            <a:off x="8724900" y="365125"/>
-            <a:ext cx="2628900" cy="5811838"/>
+            <a:off x="9439111" y="798973"/>
+            <a:ext cx="1615742" cy="4659889"/>
           </a:xfrm>
         </p:spPr>
         <p:txBody>
           <a:bodyPr vert="eaVert"/>
-          <a:lstStyle/>
+          <a:lstStyle>
+            <a:lvl1pPr algn="l">
+              <a:defRPr/>
+            </a:lvl1pPr>
+          </a:lstStyle>
           <a:p>
             <a:r>
               <a:rPr lang="en-US"/>
               <a:t>Click to edit Master title style</a:t>
             </a:r>
-          </a:p>
-        </p:txBody>
-      </p:sp>
-      <p:sp>
-        <p:nvSpPr>
-          <p:cNvPr id="3" name="Vertical Text Placeholder 2">
-            <a:extLst>
-              <a:ext uri="{FF2B5EF4-FFF2-40B4-BE49-F238E27FC236}">
-                <a16:creationId xmlns:a16="http://schemas.microsoft.com/office/drawing/2014/main" id="{99763D23-EEAE-9E81-FDDD-9489BAFF814C}"/>
-              </a:ext>
-            </a:extLst>
-          </p:cNvPr>
+            <a:endParaRPr lang="en-US" dirty="0"/>
+          </a:p>
+        </p:txBody>
+      </p:sp>
+      <p:sp>
+        <p:nvSpPr>
+          <p:cNvPr id="3" name="Vertical Text Placeholder 2"/>
           <p:cNvSpPr>
             <a:spLocks noGrp="1"/>
           </p:cNvSpPr>
@@ -612,8 +634,8 @@
         </p:nvSpPr>
         <p:spPr>
           <a:xfrm>
-            <a:off x="838200" y="365125"/>
-            <a:ext cx="7734300" cy="5811838"/>
+            <a:off x="1444672" y="798973"/>
+            <a:ext cx="7828830" cy="4659889"/>
           </a:xfrm>
         </p:spPr>
         <p:txBody>
@@ -653,18 +675,13 @@
               <a:rPr lang="en-US"/>
               <a:t>Fifth level</a:t>
             </a:r>
-          </a:p>
-        </p:txBody>
-      </p:sp>
-      <p:sp>
-        <p:nvSpPr>
-          <p:cNvPr id="4" name="Date Placeholder 3">
-            <a:extLst>
-              <a:ext uri="{FF2B5EF4-FFF2-40B4-BE49-F238E27FC236}">
-                <a16:creationId xmlns:a16="http://schemas.microsoft.com/office/drawing/2014/main" id="{AA76980E-5B42-B6C2-EDF6-3C530F6714A7}"/>
-              </a:ext>
-            </a:extLst>
-          </p:cNvPr>
+            <a:endParaRPr lang="en-US" dirty="0"/>
+          </a:p>
+        </p:txBody>
+      </p:sp>
+      <p:sp>
+        <p:nvSpPr>
+          <p:cNvPr id="4" name="Date Placeholder 3"/>
           <p:cNvSpPr>
             <a:spLocks noGrp="1"/>
           </p:cNvSpPr>
@@ -687,13 +704,7 @@
       </p:sp>
       <p:sp>
         <p:nvSpPr>
-          <p:cNvPr id="5" name="Footer Placeholder 4">
-            <a:extLst>
-              <a:ext uri="{FF2B5EF4-FFF2-40B4-BE49-F238E27FC236}">
-                <a16:creationId xmlns:a16="http://schemas.microsoft.com/office/drawing/2014/main" id="{80B64522-639B-9261-33E6-73EE8C710D5F}"/>
-              </a:ext>
-            </a:extLst>
-          </p:cNvPr>
+          <p:cNvPr id="5" name="Footer Placeholder 4"/>
           <p:cNvSpPr>
             <a:spLocks noGrp="1"/>
           </p:cNvSpPr>
@@ -712,13 +723,7 @@
       </p:sp>
       <p:sp>
         <p:nvSpPr>
-          <p:cNvPr id="6" name="Slide Number Placeholder 5">
-            <a:extLst>
-              <a:ext uri="{FF2B5EF4-FFF2-40B4-BE49-F238E27FC236}">
-                <a16:creationId xmlns:a16="http://schemas.microsoft.com/office/drawing/2014/main" id="{A461ECC3-3756-E1D2-45B3-629E4A06F0D9}"/>
-              </a:ext>
-            </a:extLst>
-          </p:cNvPr>
+          <p:cNvPr id="6" name="Slide Number Placeholder 5"/>
           <p:cNvSpPr>
             <a:spLocks noGrp="1"/>
           </p:cNvSpPr>
@@ -739,10 +744,41 @@
           </a:p>
         </p:txBody>
       </p:sp>
+      <p:cxnSp>
+        <p:nvCxnSpPr>
+          <p:cNvPr id="15" name="Straight Connector 14"/>
+          <p:cNvCxnSpPr/>
+          <p:nvPr/>
+        </p:nvCxnSpPr>
+        <p:spPr>
+          <a:xfrm>
+            <a:off x="9439111" y="798973"/>
+            <a:ext cx="0" cy="4659889"/>
+          </a:xfrm>
+          <a:prstGeom prst="line">
+            <a:avLst/>
+          </a:prstGeom>
+          <a:ln w="31750"/>
+        </p:spPr>
+        <p:style>
+          <a:lnRef idx="3">
+            <a:schemeClr val="accent1"/>
+          </a:lnRef>
+          <a:fillRef idx="0">
+            <a:schemeClr val="accent1"/>
+          </a:fillRef>
+          <a:effectRef idx="2">
+            <a:schemeClr val="accent1"/>
+          </a:effectRef>
+          <a:fontRef idx="minor">
+            <a:schemeClr val="tx1"/>
+          </a:fontRef>
+        </p:style>
+      </p:cxnSp>
     </p:spTree>
     <p:extLst>
       <p:ext uri="{BB962C8B-B14F-4D97-AF65-F5344CB8AC3E}">
-        <p14:creationId xmlns:p14="http://schemas.microsoft.com/office/powerpoint/2010/main" val="3395031702"/>
+        <p14:creationId xmlns:p14="http://schemas.microsoft.com/office/powerpoint/2010/main" val="1447160922"/>
       </p:ext>
     </p:extLst>
   </p:cSld>
@@ -771,13 +807,7 @@
       </p:grpSpPr>
       <p:sp>
         <p:nvSpPr>
-          <p:cNvPr id="2" name="Title 1">
-            <a:extLst>
-              <a:ext uri="{FF2B5EF4-FFF2-40B4-BE49-F238E27FC236}">
-                <a16:creationId xmlns:a16="http://schemas.microsoft.com/office/drawing/2014/main" id="{30E8B955-AD09-ADFE-B90C-93476E3F8F46}"/>
-              </a:ext>
-            </a:extLst>
-          </p:cNvPr>
+          <p:cNvPr id="2" name="Title 1"/>
           <p:cNvSpPr>
             <a:spLocks noGrp="1"/>
           </p:cNvSpPr>
@@ -794,18 +824,13 @@
               <a:rPr lang="en-US"/>
               <a:t>Click to edit Master title style</a:t>
             </a:r>
-          </a:p>
-        </p:txBody>
-      </p:sp>
-      <p:sp>
-        <p:nvSpPr>
-          <p:cNvPr id="3" name="Content Placeholder 2">
-            <a:extLst>
-              <a:ext uri="{FF2B5EF4-FFF2-40B4-BE49-F238E27FC236}">
-                <a16:creationId xmlns:a16="http://schemas.microsoft.com/office/drawing/2014/main" id="{4DCAA8DF-9905-53D5-1BFF-14D9DAA3A753}"/>
-              </a:ext>
-            </a:extLst>
-          </p:cNvPr>
+            <a:endParaRPr lang="en-US" dirty="0"/>
+          </a:p>
+        </p:txBody>
+      </p:sp>
+      <p:sp>
+        <p:nvSpPr>
+          <p:cNvPr id="3" name="Content Placeholder 2"/>
           <p:cNvSpPr>
             <a:spLocks noGrp="1"/>
           </p:cNvSpPr>
@@ -815,7 +840,7 @@
         </p:nvSpPr>
         <p:spPr/>
         <p:txBody>
-          <a:bodyPr/>
+          <a:bodyPr anchor="t"/>
           <a:lstStyle/>
           <a:p>
             <a:pPr lvl="0"/>
@@ -851,18 +876,13 @@
               <a:rPr lang="en-US"/>
               <a:t>Fifth level</a:t>
             </a:r>
-          </a:p>
-        </p:txBody>
-      </p:sp>
-      <p:sp>
-        <p:nvSpPr>
-          <p:cNvPr id="4" name="Date Placeholder 3">
-            <a:extLst>
-              <a:ext uri="{FF2B5EF4-FFF2-40B4-BE49-F238E27FC236}">
-                <a16:creationId xmlns:a16="http://schemas.microsoft.com/office/drawing/2014/main" id="{C4E51D45-6254-3F02-31C3-D7AEF538473D}"/>
-              </a:ext>
-            </a:extLst>
-          </p:cNvPr>
+            <a:endParaRPr lang="en-US" dirty="0"/>
+          </a:p>
+        </p:txBody>
+      </p:sp>
+      <p:sp>
+        <p:nvSpPr>
+          <p:cNvPr id="4" name="Date Placeholder 3"/>
           <p:cNvSpPr>
             <a:spLocks noGrp="1"/>
           </p:cNvSpPr>
@@ -885,13 +905,7 @@
       </p:sp>
       <p:sp>
         <p:nvSpPr>
-          <p:cNvPr id="5" name="Footer Placeholder 4">
-            <a:extLst>
-              <a:ext uri="{FF2B5EF4-FFF2-40B4-BE49-F238E27FC236}">
-                <a16:creationId xmlns:a16="http://schemas.microsoft.com/office/drawing/2014/main" id="{A416A3C3-5968-537F-F286-8DD4EFED703E}"/>
-              </a:ext>
-            </a:extLst>
-          </p:cNvPr>
+          <p:cNvPr id="5" name="Footer Placeholder 4"/>
           <p:cNvSpPr>
             <a:spLocks noGrp="1"/>
           </p:cNvSpPr>
@@ -910,13 +924,7 @@
       </p:sp>
       <p:sp>
         <p:nvSpPr>
-          <p:cNvPr id="6" name="Slide Number Placeholder 5">
-            <a:extLst>
-              <a:ext uri="{FF2B5EF4-FFF2-40B4-BE49-F238E27FC236}">
-                <a16:creationId xmlns:a16="http://schemas.microsoft.com/office/drawing/2014/main" id="{8A296E64-A1DF-0266-28AE-B06EF6F05EC5}"/>
-              </a:ext>
-            </a:extLst>
-          </p:cNvPr>
+          <p:cNvPr id="6" name="Slide Number Placeholder 5"/>
           <p:cNvSpPr>
             <a:spLocks noGrp="1"/>
           </p:cNvSpPr>
@@ -937,10 +945,41 @@
           </a:p>
         </p:txBody>
       </p:sp>
+      <p:cxnSp>
+        <p:nvCxnSpPr>
+          <p:cNvPr id="33" name="Straight Connector 32"/>
+          <p:cNvCxnSpPr/>
+          <p:nvPr/>
+        </p:nvCxnSpPr>
+        <p:spPr>
+          <a:xfrm>
+            <a:off x="1453896" y="1847088"/>
+            <a:ext cx="9607522" cy="0"/>
+          </a:xfrm>
+          <a:prstGeom prst="line">
+            <a:avLst/>
+          </a:prstGeom>
+          <a:ln w="31750"/>
+        </p:spPr>
+        <p:style>
+          <a:lnRef idx="3">
+            <a:schemeClr val="accent1"/>
+          </a:lnRef>
+          <a:fillRef idx="0">
+            <a:schemeClr val="accent1"/>
+          </a:fillRef>
+          <a:effectRef idx="2">
+            <a:schemeClr val="accent1"/>
+          </a:effectRef>
+          <a:fontRef idx="minor">
+            <a:schemeClr val="tx1"/>
+          </a:fontRef>
+        </p:style>
+      </p:cxnSp>
     </p:spTree>
     <p:extLst>
       <p:ext uri="{BB962C8B-B14F-4D97-AF65-F5344CB8AC3E}">
-        <p14:creationId xmlns:p14="http://schemas.microsoft.com/office/powerpoint/2010/main" val="1707771845"/>
+        <p14:creationId xmlns:p14="http://schemas.microsoft.com/office/powerpoint/2010/main" val="352640898"/>
       </p:ext>
     </p:extLst>
   </p:cSld>
@@ -969,13 +1008,7 @@
       </p:grpSpPr>
       <p:sp>
         <p:nvSpPr>
-          <p:cNvPr id="2" name="Title 1">
-            <a:extLst>
-              <a:ext uri="{FF2B5EF4-FFF2-40B4-BE49-F238E27FC236}">
-                <a16:creationId xmlns:a16="http://schemas.microsoft.com/office/drawing/2014/main" id="{CEB2BA4C-C98A-4D08-756E-5DBF758A3F68}"/>
-              </a:ext>
-            </a:extLst>
-          </p:cNvPr>
+          <p:cNvPr id="2" name="Title 1"/>
           <p:cNvSpPr>
             <a:spLocks noGrp="1"/>
           </p:cNvSpPr>
@@ -985,15 +1018,17 @@
         </p:nvSpPr>
         <p:spPr>
           <a:xfrm>
-            <a:off x="831850" y="1709738"/>
-            <a:ext cx="10515600" cy="2852737"/>
+            <a:off x="1454239" y="1756130"/>
+            <a:ext cx="8643154" cy="1887950"/>
           </a:xfrm>
         </p:spPr>
         <p:txBody>
-          <a:bodyPr anchor="b"/>
+          <a:bodyPr anchor="b">
+            <a:normAutofit/>
+          </a:bodyPr>
           <a:lstStyle>
-            <a:lvl1pPr>
-              <a:defRPr sz="6000"/>
+            <a:lvl1pPr algn="l">
+              <a:defRPr sz="3600"/>
             </a:lvl1pPr>
           </a:lstStyle>
           <a:p>
@@ -1001,18 +1036,13 @@
               <a:rPr lang="en-US"/>
               <a:t>Click to edit Master title style</a:t>
             </a:r>
-          </a:p>
-        </p:txBody>
-      </p:sp>
-      <p:sp>
-        <p:nvSpPr>
-          <p:cNvPr id="3" name="Text Placeholder 2">
-            <a:extLst>
-              <a:ext uri="{FF2B5EF4-FFF2-40B4-BE49-F238E27FC236}">
-                <a16:creationId xmlns:a16="http://schemas.microsoft.com/office/drawing/2014/main" id="{D2592FE5-FA39-6F39-9C24-166B34509C88}"/>
-              </a:ext>
-            </a:extLst>
-          </p:cNvPr>
+            <a:endParaRPr lang="en-US" dirty="0"/>
+          </a:p>
+        </p:txBody>
+      </p:sp>
+      <p:sp>
+        <p:nvSpPr>
+          <p:cNvPr id="3" name="Text Placeholder 2"/>
           <p:cNvSpPr>
             <a:spLocks noGrp="1"/>
           </p:cNvSpPr>
@@ -1022,26 +1052,26 @@
         </p:nvSpPr>
         <p:spPr>
           <a:xfrm>
-            <a:off x="831850" y="4589463"/>
-            <a:ext cx="10515600" cy="1500187"/>
+            <a:off x="1454239" y="3806195"/>
+            <a:ext cx="8630446" cy="1012929"/>
           </a:xfrm>
         </p:spPr>
         <p:txBody>
-          <a:bodyPr/>
+          <a:bodyPr tIns="91440">
+            <a:normAutofit/>
+          </a:bodyPr>
           <a:lstStyle>
-            <a:lvl1pPr marL="0" indent="0">
-              <a:buNone/>
-              <a:defRPr sz="2400">
+            <a:lvl1pPr marL="0" indent="0" algn="l">
+              <a:buNone/>
+              <a:defRPr sz="1800">
                 <a:solidFill>
-                  <a:schemeClr val="tx1">
-                    <a:tint val="75000"/>
-                  </a:schemeClr>
+                  <a:schemeClr val="tx1"/>
                 </a:solidFill>
               </a:defRPr>
             </a:lvl1pPr>
             <a:lvl2pPr marL="457200" indent="0">
               <a:buNone/>
-              <a:defRPr sz="2000">
+              <a:defRPr sz="1800">
                 <a:solidFill>
                   <a:schemeClr val="tx1">
                     <a:tint val="75000"/>
@@ -1131,13 +1161,7 @@
       </p:sp>
       <p:sp>
         <p:nvSpPr>
-          <p:cNvPr id="4" name="Date Placeholder 3">
-            <a:extLst>
-              <a:ext uri="{FF2B5EF4-FFF2-40B4-BE49-F238E27FC236}">
-                <a16:creationId xmlns:a16="http://schemas.microsoft.com/office/drawing/2014/main" id="{26593062-1418-F9E8-02FD-227B56553B3F}"/>
-              </a:ext>
-            </a:extLst>
-          </p:cNvPr>
+          <p:cNvPr id="4" name="Date Placeholder 3"/>
           <p:cNvSpPr>
             <a:spLocks noGrp="1"/>
           </p:cNvSpPr>
@@ -1160,13 +1184,7 @@
       </p:sp>
       <p:sp>
         <p:nvSpPr>
-          <p:cNvPr id="5" name="Footer Placeholder 4">
-            <a:extLst>
-              <a:ext uri="{FF2B5EF4-FFF2-40B4-BE49-F238E27FC236}">
-                <a16:creationId xmlns:a16="http://schemas.microsoft.com/office/drawing/2014/main" id="{57EDD964-F56F-60B2-CB4F-0C1CD5A771A8}"/>
-              </a:ext>
-            </a:extLst>
-          </p:cNvPr>
+          <p:cNvPr id="5" name="Footer Placeholder 4"/>
           <p:cNvSpPr>
             <a:spLocks noGrp="1"/>
           </p:cNvSpPr>
@@ -1185,13 +1203,7 @@
       </p:sp>
       <p:sp>
         <p:nvSpPr>
-          <p:cNvPr id="6" name="Slide Number Placeholder 5">
-            <a:extLst>
-              <a:ext uri="{FF2B5EF4-FFF2-40B4-BE49-F238E27FC236}">
-                <a16:creationId xmlns:a16="http://schemas.microsoft.com/office/drawing/2014/main" id="{CD8BA7F4-8932-39AE-9A9C-61327E500B9E}"/>
-              </a:ext>
-            </a:extLst>
-          </p:cNvPr>
+          <p:cNvPr id="6" name="Slide Number Placeholder 5"/>
           <p:cNvSpPr>
             <a:spLocks noGrp="1"/>
           </p:cNvSpPr>
@@ -1212,10 +1224,41 @@
           </a:p>
         </p:txBody>
       </p:sp>
+      <p:cxnSp>
+        <p:nvCxnSpPr>
+          <p:cNvPr id="15" name="Straight Connector 14"/>
+          <p:cNvCxnSpPr/>
+          <p:nvPr/>
+        </p:nvCxnSpPr>
+        <p:spPr>
+          <a:xfrm>
+            <a:off x="1454239" y="3804985"/>
+            <a:ext cx="8630446" cy="0"/>
+          </a:xfrm>
+          <a:prstGeom prst="line">
+            <a:avLst/>
+          </a:prstGeom>
+          <a:ln w="31750"/>
+        </p:spPr>
+        <p:style>
+          <a:lnRef idx="3">
+            <a:schemeClr val="accent1"/>
+          </a:lnRef>
+          <a:fillRef idx="0">
+            <a:schemeClr val="accent1"/>
+          </a:fillRef>
+          <a:effectRef idx="2">
+            <a:schemeClr val="accent1"/>
+          </a:effectRef>
+          <a:fontRef idx="minor">
+            <a:schemeClr val="tx1"/>
+          </a:fontRef>
+        </p:style>
+      </p:cxnSp>
     </p:spTree>
     <p:extLst>
       <p:ext uri="{BB962C8B-B14F-4D97-AF65-F5344CB8AC3E}">
-        <p14:creationId xmlns:p14="http://schemas.microsoft.com/office/powerpoint/2010/main" val="3760253683"/>
+        <p14:creationId xmlns:p14="http://schemas.microsoft.com/office/powerpoint/2010/main" val="3792884936"/>
       </p:ext>
     </p:extLst>
   </p:cSld>
@@ -1244,114 +1287,46 @@
       </p:grpSpPr>
       <p:sp>
         <p:nvSpPr>
-          <p:cNvPr id="2" name="Title 1">
-            <a:extLst>
-              <a:ext uri="{FF2B5EF4-FFF2-40B4-BE49-F238E27FC236}">
-                <a16:creationId xmlns:a16="http://schemas.microsoft.com/office/drawing/2014/main" id="{E321CF68-7D8F-0778-EE70-2C2E54E39CBA}"/>
-              </a:ext>
-            </a:extLst>
-          </p:cNvPr>
+          <p:cNvPr id="2" name="Title 1"/>
           <p:cNvSpPr>
             <a:spLocks noGrp="1"/>
           </p:cNvSpPr>
           <p:nvPr>
             <p:ph type="title"/>
-          </p:nvPr>
-        </p:nvSpPr>
-        <p:spPr/>
-        <p:txBody>
-          <a:bodyPr/>
-          <a:lstStyle/>
-          <a:p>
-            <a:r>
-              <a:rPr lang="en-US"/>
-              <a:t>Click to edit Master title style</a:t>
-            </a:r>
-          </a:p>
-        </p:txBody>
-      </p:sp>
-      <p:sp>
-        <p:nvSpPr>
-          <p:cNvPr id="3" name="Content Placeholder 2">
-            <a:extLst>
-              <a:ext uri="{FF2B5EF4-FFF2-40B4-BE49-F238E27FC236}">
-                <a16:creationId xmlns:a16="http://schemas.microsoft.com/office/drawing/2014/main" id="{7999EDBD-C688-BBDF-2918-9DD802A8769D}"/>
-              </a:ext>
-            </a:extLst>
-          </p:cNvPr>
-          <p:cNvSpPr>
-            <a:spLocks noGrp="1"/>
-          </p:cNvSpPr>
-          <p:nvPr>
-            <p:ph sz="half" idx="1"/>
           </p:nvPr>
         </p:nvSpPr>
         <p:spPr>
           <a:xfrm>
-            <a:off x="838200" y="1825625"/>
-            <a:ext cx="5181600" cy="4351338"/>
+            <a:off x="1449217" y="804889"/>
+            <a:ext cx="9605635" cy="1059305"/>
           </a:xfrm>
         </p:spPr>
         <p:txBody>
           <a:bodyPr/>
           <a:lstStyle/>
           <a:p>
-            <a:pPr lvl="0"/>
-            <a:r>
-              <a:rPr lang="en-US"/>
-              <a:t>Click to edit Master text styles</a:t>
-            </a:r>
-          </a:p>
-          <a:p>
-            <a:pPr lvl="1"/>
-            <a:r>
-              <a:rPr lang="en-US"/>
-              <a:t>Second level</a:t>
-            </a:r>
-          </a:p>
-          <a:p>
-            <a:pPr lvl="2"/>
-            <a:r>
-              <a:rPr lang="en-US"/>
-              <a:t>Third level</a:t>
-            </a:r>
-          </a:p>
-          <a:p>
-            <a:pPr lvl="3"/>
-            <a:r>
-              <a:rPr lang="en-US"/>
-              <a:t>Fourth level</a:t>
-            </a:r>
-          </a:p>
-          <a:p>
-            <a:pPr lvl="4"/>
-            <a:r>
-              <a:rPr lang="en-US"/>
-              <a:t>Fifth level</a:t>
-            </a:r>
-          </a:p>
-        </p:txBody>
-      </p:sp>
-      <p:sp>
-        <p:nvSpPr>
-          <p:cNvPr id="4" name="Content Placeholder 3">
-            <a:extLst>
-              <a:ext uri="{FF2B5EF4-FFF2-40B4-BE49-F238E27FC236}">
-                <a16:creationId xmlns:a16="http://schemas.microsoft.com/office/drawing/2014/main" id="{EE7C945D-06E4-F481-B84C-65B0E2F7ECC3}"/>
-              </a:ext>
-            </a:extLst>
-          </p:cNvPr>
-          <p:cNvSpPr>
-            <a:spLocks noGrp="1"/>
-          </p:cNvSpPr>
-          <p:nvPr>
-            <p:ph sz="half" idx="2"/>
+            <a:r>
+              <a:rPr lang="en-US"/>
+              <a:t>Click to edit Master title style</a:t>
+            </a:r>
+            <a:endParaRPr lang="en-US" dirty="0"/>
+          </a:p>
+        </p:txBody>
+      </p:sp>
+      <p:sp>
+        <p:nvSpPr>
+          <p:cNvPr id="3" name="Content Placeholder 2"/>
+          <p:cNvSpPr>
+            <a:spLocks noGrp="1"/>
+          </p:cNvSpPr>
+          <p:nvPr>
+            <p:ph sz="half" idx="1"/>
           </p:nvPr>
         </p:nvSpPr>
         <p:spPr>
           <a:xfrm>
-            <a:off x="6172200" y="1825625"/>
-            <a:ext cx="5181600" cy="4351338"/>
+            <a:off x="1447331" y="2010878"/>
+            <a:ext cx="4645152" cy="3448595"/>
           </a:xfrm>
         </p:spPr>
         <p:txBody>
@@ -1391,18 +1366,70 @@
               <a:rPr lang="en-US"/>
               <a:t>Fifth level</a:t>
             </a:r>
-          </a:p>
-        </p:txBody>
-      </p:sp>
-      <p:sp>
-        <p:nvSpPr>
-          <p:cNvPr id="5" name="Date Placeholder 4">
-            <a:extLst>
-              <a:ext uri="{FF2B5EF4-FFF2-40B4-BE49-F238E27FC236}">
-                <a16:creationId xmlns:a16="http://schemas.microsoft.com/office/drawing/2014/main" id="{43CA9175-1ECA-6A26-F495-247EF8320C74}"/>
-              </a:ext>
-            </a:extLst>
-          </p:cNvPr>
+            <a:endParaRPr lang="en-US" dirty="0"/>
+          </a:p>
+        </p:txBody>
+      </p:sp>
+      <p:sp>
+        <p:nvSpPr>
+          <p:cNvPr id="4" name="Content Placeholder 3"/>
+          <p:cNvSpPr>
+            <a:spLocks noGrp="1"/>
+          </p:cNvSpPr>
+          <p:nvPr>
+            <p:ph sz="half" idx="2"/>
+          </p:nvPr>
+        </p:nvSpPr>
+        <p:spPr>
+          <a:xfrm>
+            <a:off x="6413771" y="2017343"/>
+            <a:ext cx="4645152" cy="3441520"/>
+          </a:xfrm>
+        </p:spPr>
+        <p:txBody>
+          <a:bodyPr/>
+          <a:lstStyle/>
+          <a:p>
+            <a:pPr lvl="0"/>
+            <a:r>
+              <a:rPr lang="en-US"/>
+              <a:t>Click to edit Master text styles</a:t>
+            </a:r>
+          </a:p>
+          <a:p>
+            <a:pPr lvl="1"/>
+            <a:r>
+              <a:rPr lang="en-US"/>
+              <a:t>Second level</a:t>
+            </a:r>
+          </a:p>
+          <a:p>
+            <a:pPr lvl="2"/>
+            <a:r>
+              <a:rPr lang="en-US"/>
+              <a:t>Third level</a:t>
+            </a:r>
+          </a:p>
+          <a:p>
+            <a:pPr lvl="3"/>
+            <a:r>
+              <a:rPr lang="en-US"/>
+              <a:t>Fourth level</a:t>
+            </a:r>
+          </a:p>
+          <a:p>
+            <a:pPr lvl="4"/>
+            <a:r>
+              <a:rPr lang="en-US"/>
+              <a:t>Fifth level</a:t>
+            </a:r>
+            <a:endParaRPr lang="en-US" dirty="0"/>
+          </a:p>
+        </p:txBody>
+      </p:sp>
+      <p:sp>
+        <p:nvSpPr>
+          <p:cNvPr id="5" name="Date Placeholder 4"/>
           <p:cNvSpPr>
             <a:spLocks noGrp="1"/>
           </p:cNvSpPr>
@@ -1425,13 +1452,7 @@
       </p:sp>
       <p:sp>
         <p:nvSpPr>
-          <p:cNvPr id="6" name="Footer Placeholder 5">
-            <a:extLst>
-              <a:ext uri="{FF2B5EF4-FFF2-40B4-BE49-F238E27FC236}">
-                <a16:creationId xmlns:a16="http://schemas.microsoft.com/office/drawing/2014/main" id="{B9731071-C068-0670-EC07-EB6E8B199262}"/>
-              </a:ext>
-            </a:extLst>
-          </p:cNvPr>
+          <p:cNvPr id="6" name="Footer Placeholder 5"/>
           <p:cNvSpPr>
             <a:spLocks noGrp="1"/>
           </p:cNvSpPr>
@@ -1450,13 +1471,7 @@
       </p:sp>
       <p:sp>
         <p:nvSpPr>
-          <p:cNvPr id="7" name="Slide Number Placeholder 6">
-            <a:extLst>
-              <a:ext uri="{FF2B5EF4-FFF2-40B4-BE49-F238E27FC236}">
-                <a16:creationId xmlns:a16="http://schemas.microsoft.com/office/drawing/2014/main" id="{1B721521-D888-F4CB-DB3B-2CCC3D832CD5}"/>
-              </a:ext>
-            </a:extLst>
-          </p:cNvPr>
+          <p:cNvPr id="7" name="Slide Number Placeholder 6"/>
           <p:cNvSpPr>
             <a:spLocks noGrp="1"/>
           </p:cNvSpPr>
@@ -1477,10 +1492,41 @@
           </a:p>
         </p:txBody>
       </p:sp>
+      <p:cxnSp>
+        <p:nvCxnSpPr>
+          <p:cNvPr id="35" name="Straight Connector 34"/>
+          <p:cNvCxnSpPr/>
+          <p:nvPr/>
+        </p:nvCxnSpPr>
+        <p:spPr>
+          <a:xfrm>
+            <a:off x="1453896" y="1847088"/>
+            <a:ext cx="9607522" cy="0"/>
+          </a:xfrm>
+          <a:prstGeom prst="line">
+            <a:avLst/>
+          </a:prstGeom>
+          <a:ln w="31750"/>
+        </p:spPr>
+        <p:style>
+          <a:lnRef idx="3">
+            <a:schemeClr val="accent1"/>
+          </a:lnRef>
+          <a:fillRef idx="0">
+            <a:schemeClr val="accent1"/>
+          </a:fillRef>
+          <a:effectRef idx="2">
+            <a:schemeClr val="accent1"/>
+          </a:effectRef>
+          <a:fontRef idx="minor">
+            <a:schemeClr val="tx1"/>
+          </a:fontRef>
+        </p:style>
+      </p:cxnSp>
     </p:spTree>
     <p:extLst>
       <p:ext uri="{BB962C8B-B14F-4D97-AF65-F5344CB8AC3E}">
-        <p14:creationId xmlns:p14="http://schemas.microsoft.com/office/powerpoint/2010/main" val="2065004446"/>
+        <p14:creationId xmlns:p14="http://schemas.microsoft.com/office/powerpoint/2010/main" val="510695995"/>
       </p:ext>
     </p:extLst>
   </p:cSld>
@@ -1509,13 +1555,7 @@
       </p:grpSpPr>
       <p:sp>
         <p:nvSpPr>
-          <p:cNvPr id="2" name="Title 1">
-            <a:extLst>
-              <a:ext uri="{FF2B5EF4-FFF2-40B4-BE49-F238E27FC236}">
-                <a16:creationId xmlns:a16="http://schemas.microsoft.com/office/drawing/2014/main" id="{6FEC799C-6256-14F4-DE15-354D8315005C}"/>
-              </a:ext>
-            </a:extLst>
-          </p:cNvPr>
+          <p:cNvPr id="2" name="Title 1"/>
           <p:cNvSpPr>
             <a:spLocks noGrp="1"/>
           </p:cNvSpPr>
@@ -1525,8 +1565,8 @@
         </p:nvSpPr>
         <p:spPr>
           <a:xfrm>
-            <a:off x="839788" y="365125"/>
-            <a:ext cx="10515600" cy="1325563"/>
+            <a:off x="1447191" y="804163"/>
+            <a:ext cx="9607661" cy="1056319"/>
           </a:xfrm>
         </p:spPr>
         <p:txBody>
@@ -1537,18 +1577,13 @@
               <a:rPr lang="en-US"/>
               <a:t>Click to edit Master title style</a:t>
             </a:r>
-          </a:p>
-        </p:txBody>
-      </p:sp>
-      <p:sp>
-        <p:nvSpPr>
-          <p:cNvPr id="3" name="Text Placeholder 2">
-            <a:extLst>
-              <a:ext uri="{FF2B5EF4-FFF2-40B4-BE49-F238E27FC236}">
-                <a16:creationId xmlns:a16="http://schemas.microsoft.com/office/drawing/2014/main" id="{9C9C6C4D-5AF9-0A29-A226-4A788B8878D9}"/>
-              </a:ext>
-            </a:extLst>
-          </p:cNvPr>
+            <a:endParaRPr lang="en-US" dirty="0"/>
+          </a:p>
+        </p:txBody>
+      </p:sp>
+      <p:sp>
+        <p:nvSpPr>
+          <p:cNvPr id="3" name="Text Placeholder 2"/>
           <p:cNvSpPr>
             <a:spLocks noGrp="1"/>
           </p:cNvSpPr>
@@ -1558,16 +1593,25 @@
         </p:nvSpPr>
         <p:spPr>
           <a:xfrm>
-            <a:off x="839788" y="1681163"/>
-            <a:ext cx="5157787" cy="823912"/>
+            <a:off x="1447191" y="2019549"/>
+            <a:ext cx="4645152" cy="801943"/>
           </a:xfrm>
         </p:spPr>
         <p:txBody>
-          <a:bodyPr anchor="b"/>
+          <a:bodyPr anchor="b">
+            <a:normAutofit/>
+          </a:bodyPr>
           <a:lstStyle>
             <a:lvl1pPr marL="0" indent="0">
-              <a:buNone/>
-              <a:defRPr sz="2400" b="1"/>
+              <a:lnSpc>
+                <a:spcPct val="100000"/>
+              </a:lnSpc>
+              <a:buNone/>
+              <a:defRPr sz="2200" b="0" cap="all" baseline="0">
+                <a:solidFill>
+                  <a:schemeClr val="accent1"/>
+                </a:solidFill>
+              </a:defRPr>
             </a:lvl1pPr>
             <a:lvl2pPr marL="457200" indent="0">
               <a:buNone/>
@@ -1613,13 +1657,7 @@
       </p:sp>
       <p:sp>
         <p:nvSpPr>
-          <p:cNvPr id="4" name="Content Placeholder 3">
-            <a:extLst>
-              <a:ext uri="{FF2B5EF4-FFF2-40B4-BE49-F238E27FC236}">
-                <a16:creationId xmlns:a16="http://schemas.microsoft.com/office/drawing/2014/main" id="{8B2882DB-E8C6-2F6A-B5F8-1DF0AAB0108A}"/>
-              </a:ext>
-            </a:extLst>
-          </p:cNvPr>
+          <p:cNvPr id="4" name="Content Placeholder 3"/>
           <p:cNvSpPr>
             <a:spLocks noGrp="1"/>
           </p:cNvSpPr>
@@ -1629,8 +1667,8 @@
         </p:nvSpPr>
         <p:spPr>
           <a:xfrm>
-            <a:off x="839788" y="2505075"/>
-            <a:ext cx="5157787" cy="3684588"/>
+            <a:off x="1447191" y="2824269"/>
+            <a:ext cx="4645152" cy="2644457"/>
           </a:xfrm>
         </p:spPr>
         <p:txBody>
@@ -1670,18 +1708,13 @@
               <a:rPr lang="en-US"/>
               <a:t>Fifth level</a:t>
             </a:r>
-          </a:p>
-        </p:txBody>
-      </p:sp>
-      <p:sp>
-        <p:nvSpPr>
-          <p:cNvPr id="5" name="Text Placeholder 4">
-            <a:extLst>
-              <a:ext uri="{FF2B5EF4-FFF2-40B4-BE49-F238E27FC236}">
-                <a16:creationId xmlns:a16="http://schemas.microsoft.com/office/drawing/2014/main" id="{35D68B1B-010D-B838-E309-605C77B92076}"/>
-              </a:ext>
-            </a:extLst>
-          </p:cNvPr>
+            <a:endParaRPr lang="en-US" dirty="0"/>
+          </a:p>
+        </p:txBody>
+      </p:sp>
+      <p:sp>
+        <p:nvSpPr>
+          <p:cNvPr id="5" name="Text Placeholder 4"/>
           <p:cNvSpPr>
             <a:spLocks noGrp="1"/>
           </p:cNvSpPr>
@@ -1691,16 +1724,25 @@
         </p:nvSpPr>
         <p:spPr>
           <a:xfrm>
-            <a:off x="6172200" y="1681163"/>
-            <a:ext cx="5183188" cy="823912"/>
+            <a:off x="6412362" y="2023003"/>
+            <a:ext cx="4645152" cy="802237"/>
           </a:xfrm>
         </p:spPr>
         <p:txBody>
-          <a:bodyPr anchor="b"/>
+          <a:bodyPr anchor="b">
+            <a:normAutofit/>
+          </a:bodyPr>
           <a:lstStyle>
             <a:lvl1pPr marL="0" indent="0">
-              <a:buNone/>
-              <a:defRPr sz="2400" b="1"/>
+              <a:lnSpc>
+                <a:spcPct val="100000"/>
+              </a:lnSpc>
+              <a:buNone/>
+              <a:defRPr sz="2200" b="0" cap="all" baseline="0">
+                <a:solidFill>
+                  <a:schemeClr val="accent1"/>
+                </a:solidFill>
+              </a:defRPr>
             </a:lvl1pPr>
             <a:lvl2pPr marL="457200" indent="0">
               <a:buNone/>
@@ -1746,13 +1788,7 @@
       </p:sp>
       <p:sp>
         <p:nvSpPr>
-          <p:cNvPr id="6" name="Content Placeholder 5">
-            <a:extLst>
-              <a:ext uri="{FF2B5EF4-FFF2-40B4-BE49-F238E27FC236}">
-                <a16:creationId xmlns:a16="http://schemas.microsoft.com/office/drawing/2014/main" id="{1B3B5401-9177-C3CC-5847-79BDFF5E33B5}"/>
-              </a:ext>
-            </a:extLst>
-          </p:cNvPr>
+          <p:cNvPr id="6" name="Content Placeholder 5"/>
           <p:cNvSpPr>
             <a:spLocks noGrp="1"/>
           </p:cNvSpPr>
@@ -1762,8 +1798,8 @@
         </p:nvSpPr>
         <p:spPr>
           <a:xfrm>
-            <a:off x="6172200" y="2505075"/>
-            <a:ext cx="5183188" cy="3684588"/>
+            <a:off x="6412362" y="2821491"/>
+            <a:ext cx="4645152" cy="2637371"/>
           </a:xfrm>
         </p:spPr>
         <p:txBody>
@@ -1803,18 +1839,13 @@
               <a:rPr lang="en-US"/>
               <a:t>Fifth level</a:t>
             </a:r>
-          </a:p>
-        </p:txBody>
-      </p:sp>
-      <p:sp>
-        <p:nvSpPr>
-          <p:cNvPr id="7" name="Date Placeholder 6">
-            <a:extLst>
-              <a:ext uri="{FF2B5EF4-FFF2-40B4-BE49-F238E27FC236}">
-                <a16:creationId xmlns:a16="http://schemas.microsoft.com/office/drawing/2014/main" id="{2A80D727-8155-5096-C3CA-6A528B92BC3B}"/>
-              </a:ext>
-            </a:extLst>
-          </p:cNvPr>
+            <a:endParaRPr lang="en-US" dirty="0"/>
+          </a:p>
+        </p:txBody>
+      </p:sp>
+      <p:sp>
+        <p:nvSpPr>
+          <p:cNvPr id="7" name="Date Placeholder 6"/>
           <p:cNvSpPr>
             <a:spLocks noGrp="1"/>
           </p:cNvSpPr>
@@ -1837,13 +1868,7 @@
       </p:sp>
       <p:sp>
         <p:nvSpPr>
-          <p:cNvPr id="8" name="Footer Placeholder 7">
-            <a:extLst>
-              <a:ext uri="{FF2B5EF4-FFF2-40B4-BE49-F238E27FC236}">
-                <a16:creationId xmlns:a16="http://schemas.microsoft.com/office/drawing/2014/main" id="{E8FCF5BF-7337-6809-68C8-B13FB9D0D252}"/>
-              </a:ext>
-            </a:extLst>
-          </p:cNvPr>
+          <p:cNvPr id="8" name="Footer Placeholder 7"/>
           <p:cNvSpPr>
             <a:spLocks noGrp="1"/>
           </p:cNvSpPr>
@@ -1862,13 +1887,7 @@
       </p:sp>
       <p:sp>
         <p:nvSpPr>
-          <p:cNvPr id="9" name="Slide Number Placeholder 8">
-            <a:extLst>
-              <a:ext uri="{FF2B5EF4-FFF2-40B4-BE49-F238E27FC236}">
-                <a16:creationId xmlns:a16="http://schemas.microsoft.com/office/drawing/2014/main" id="{B7CDB768-D31B-A5EE-7E0D-A4E9E04984E9}"/>
-              </a:ext>
-            </a:extLst>
-          </p:cNvPr>
+          <p:cNvPr id="9" name="Slide Number Placeholder 8"/>
           <p:cNvSpPr>
             <a:spLocks noGrp="1"/>
           </p:cNvSpPr>
@@ -1889,10 +1908,41 @@
           </a:p>
         </p:txBody>
       </p:sp>
+      <p:cxnSp>
+        <p:nvCxnSpPr>
+          <p:cNvPr id="29" name="Straight Connector 28"/>
+          <p:cNvCxnSpPr/>
+          <p:nvPr/>
+        </p:nvCxnSpPr>
+        <p:spPr>
+          <a:xfrm>
+            <a:off x="1453896" y="1847088"/>
+            <a:ext cx="9607522" cy="0"/>
+          </a:xfrm>
+          <a:prstGeom prst="line">
+            <a:avLst/>
+          </a:prstGeom>
+          <a:ln w="31750"/>
+        </p:spPr>
+        <p:style>
+          <a:lnRef idx="3">
+            <a:schemeClr val="accent1"/>
+          </a:lnRef>
+          <a:fillRef idx="0">
+            <a:schemeClr val="accent1"/>
+          </a:fillRef>
+          <a:effectRef idx="2">
+            <a:schemeClr val="accent1"/>
+          </a:effectRef>
+          <a:fontRef idx="minor">
+            <a:schemeClr val="tx1"/>
+          </a:fontRef>
+        </p:style>
+      </p:cxnSp>
     </p:spTree>
     <p:extLst>
       <p:ext uri="{BB962C8B-B14F-4D97-AF65-F5344CB8AC3E}">
-        <p14:creationId xmlns:p14="http://schemas.microsoft.com/office/powerpoint/2010/main" val="170583114"/>
+        <p14:creationId xmlns:p14="http://schemas.microsoft.com/office/powerpoint/2010/main" val="2524481465"/>
       </p:ext>
     </p:extLst>
   </p:cSld>
@@ -1921,13 +1971,7 @@
       </p:grpSpPr>
       <p:sp>
         <p:nvSpPr>
-          <p:cNvPr id="2" name="Title 1">
-            <a:extLst>
-              <a:ext uri="{FF2B5EF4-FFF2-40B4-BE49-F238E27FC236}">
-                <a16:creationId xmlns:a16="http://schemas.microsoft.com/office/drawing/2014/main" id="{737EB03E-2DE4-97B6-3104-25AB17038959}"/>
-              </a:ext>
-            </a:extLst>
-          </p:cNvPr>
+          <p:cNvPr id="2" name="Title 1"/>
           <p:cNvSpPr>
             <a:spLocks noGrp="1"/>
           </p:cNvSpPr>
@@ -1944,18 +1988,13 @@
               <a:rPr lang="en-US"/>
               <a:t>Click to edit Master title style</a:t>
             </a:r>
-          </a:p>
-        </p:txBody>
-      </p:sp>
-      <p:sp>
-        <p:nvSpPr>
-          <p:cNvPr id="3" name="Date Placeholder 2">
-            <a:extLst>
-              <a:ext uri="{FF2B5EF4-FFF2-40B4-BE49-F238E27FC236}">
-                <a16:creationId xmlns:a16="http://schemas.microsoft.com/office/drawing/2014/main" id="{B381AC13-6DC6-EED0-2A3E-A83D9BA97B82}"/>
-              </a:ext>
-            </a:extLst>
-          </p:cNvPr>
+            <a:endParaRPr lang="en-US" dirty="0"/>
+          </a:p>
+        </p:txBody>
+      </p:sp>
+      <p:sp>
+        <p:nvSpPr>
+          <p:cNvPr id="3" name="Date Placeholder 2"/>
           <p:cNvSpPr>
             <a:spLocks noGrp="1"/>
           </p:cNvSpPr>
@@ -1978,13 +2017,7 @@
       </p:sp>
       <p:sp>
         <p:nvSpPr>
-          <p:cNvPr id="4" name="Footer Placeholder 3">
-            <a:extLst>
-              <a:ext uri="{FF2B5EF4-FFF2-40B4-BE49-F238E27FC236}">
-                <a16:creationId xmlns:a16="http://schemas.microsoft.com/office/drawing/2014/main" id="{1D2A1851-4858-CE60-4CED-C8D3425BBDD8}"/>
-              </a:ext>
-            </a:extLst>
-          </p:cNvPr>
+          <p:cNvPr id="4" name="Footer Placeholder 3"/>
           <p:cNvSpPr>
             <a:spLocks noGrp="1"/>
           </p:cNvSpPr>
@@ -2003,13 +2036,7 @@
       </p:sp>
       <p:sp>
         <p:nvSpPr>
-          <p:cNvPr id="5" name="Slide Number Placeholder 4">
-            <a:extLst>
-              <a:ext uri="{FF2B5EF4-FFF2-40B4-BE49-F238E27FC236}">
-                <a16:creationId xmlns:a16="http://schemas.microsoft.com/office/drawing/2014/main" id="{D4234F5F-C771-F524-09EB-08515859CCE6}"/>
-              </a:ext>
-            </a:extLst>
-          </p:cNvPr>
+          <p:cNvPr id="5" name="Slide Number Placeholder 4"/>
           <p:cNvSpPr>
             <a:spLocks noGrp="1"/>
           </p:cNvSpPr>
@@ -2030,10 +2057,41 @@
           </a:p>
         </p:txBody>
       </p:sp>
+      <p:cxnSp>
+        <p:nvCxnSpPr>
+          <p:cNvPr id="25" name="Straight Connector 24"/>
+          <p:cNvCxnSpPr/>
+          <p:nvPr/>
+        </p:nvCxnSpPr>
+        <p:spPr>
+          <a:xfrm>
+            <a:off x="1453896" y="1847088"/>
+            <a:ext cx="9607522" cy="0"/>
+          </a:xfrm>
+          <a:prstGeom prst="line">
+            <a:avLst/>
+          </a:prstGeom>
+          <a:ln w="31750"/>
+        </p:spPr>
+        <p:style>
+          <a:lnRef idx="3">
+            <a:schemeClr val="accent1"/>
+          </a:lnRef>
+          <a:fillRef idx="0">
+            <a:schemeClr val="accent1"/>
+          </a:fillRef>
+          <a:effectRef idx="2">
+            <a:schemeClr val="accent1"/>
+          </a:effectRef>
+          <a:fontRef idx="minor">
+            <a:schemeClr val="tx1"/>
+          </a:fontRef>
+        </p:style>
+      </p:cxnSp>
     </p:spTree>
     <p:extLst>
       <p:ext uri="{BB962C8B-B14F-4D97-AF65-F5344CB8AC3E}">
-        <p14:creationId xmlns:p14="http://schemas.microsoft.com/office/powerpoint/2010/main" val="919388436"/>
+        <p14:creationId xmlns:p14="http://schemas.microsoft.com/office/powerpoint/2010/main" val="1760491463"/>
       </p:ext>
     </p:extLst>
   </p:cSld>
@@ -2062,13 +2120,7 @@
       </p:grpSpPr>
       <p:sp>
         <p:nvSpPr>
-          <p:cNvPr id="2" name="Date Placeholder 1">
-            <a:extLst>
-              <a:ext uri="{FF2B5EF4-FFF2-40B4-BE49-F238E27FC236}">
-                <a16:creationId xmlns:a16="http://schemas.microsoft.com/office/drawing/2014/main" id="{837F3380-E843-38F6-2378-A224EE502153}"/>
-              </a:ext>
-            </a:extLst>
-          </p:cNvPr>
+          <p:cNvPr id="2" name="Date Placeholder 1"/>
           <p:cNvSpPr>
             <a:spLocks noGrp="1"/>
           </p:cNvSpPr>
@@ -2091,13 +2143,7 @@
       </p:sp>
       <p:sp>
         <p:nvSpPr>
-          <p:cNvPr id="3" name="Footer Placeholder 2">
-            <a:extLst>
-              <a:ext uri="{FF2B5EF4-FFF2-40B4-BE49-F238E27FC236}">
-                <a16:creationId xmlns:a16="http://schemas.microsoft.com/office/drawing/2014/main" id="{DFDE9109-1F57-4424-1449-F5635B05EFC8}"/>
-              </a:ext>
-            </a:extLst>
-          </p:cNvPr>
+          <p:cNvPr id="3" name="Footer Placeholder 2"/>
           <p:cNvSpPr>
             <a:spLocks noGrp="1"/>
           </p:cNvSpPr>
@@ -2116,13 +2162,7 @@
       </p:sp>
       <p:sp>
         <p:nvSpPr>
-          <p:cNvPr id="4" name="Slide Number Placeholder 3">
-            <a:extLst>
-              <a:ext uri="{FF2B5EF4-FFF2-40B4-BE49-F238E27FC236}">
-                <a16:creationId xmlns:a16="http://schemas.microsoft.com/office/drawing/2014/main" id="{4006A6C7-1747-EFE8-0B5A-A49C3474C87A}"/>
-              </a:ext>
-            </a:extLst>
-          </p:cNvPr>
+          <p:cNvPr id="4" name="Slide Number Placeholder 3"/>
           <p:cNvSpPr>
             <a:spLocks noGrp="1"/>
           </p:cNvSpPr>
@@ -2146,7 +2186,7 @@
     </p:spTree>
     <p:extLst>
       <p:ext uri="{BB962C8B-B14F-4D97-AF65-F5344CB8AC3E}">
-        <p14:creationId xmlns:p14="http://schemas.microsoft.com/office/powerpoint/2010/main" val="2451562989"/>
+        <p14:creationId xmlns:p14="http://schemas.microsoft.com/office/powerpoint/2010/main" val="3417103102"/>
       </p:ext>
     </p:extLst>
   </p:cSld>
@@ -2175,13 +2215,7 @@
       </p:grpSpPr>
       <p:sp>
         <p:nvSpPr>
-          <p:cNvPr id="2" name="Title 1">
-            <a:extLst>
-              <a:ext uri="{FF2B5EF4-FFF2-40B4-BE49-F238E27FC236}">
-                <a16:creationId xmlns:a16="http://schemas.microsoft.com/office/drawing/2014/main" id="{9D47BB15-32EB-6247-100B-A82D3EB9565E}"/>
-              </a:ext>
-            </a:extLst>
-          </p:cNvPr>
+          <p:cNvPr id="2" name="Title 1"/>
           <p:cNvSpPr>
             <a:spLocks noGrp="1"/>
           </p:cNvSpPr>
@@ -2191,15 +2225,17 @@
         </p:nvSpPr>
         <p:spPr>
           <a:xfrm>
-            <a:off x="839788" y="457200"/>
-            <a:ext cx="3932237" cy="1600200"/>
+            <a:off x="1444671" y="798973"/>
+            <a:ext cx="3273099" cy="2247117"/>
           </a:xfrm>
         </p:spPr>
         <p:txBody>
-          <a:bodyPr anchor="b"/>
+          <a:bodyPr anchor="b">
+            <a:normAutofit/>
+          </a:bodyPr>
           <a:lstStyle>
-            <a:lvl1pPr>
-              <a:defRPr sz="3200"/>
+            <a:lvl1pPr algn="l">
+              <a:defRPr sz="2400"/>
             </a:lvl1pPr>
           </a:lstStyle>
           <a:p>
@@ -2207,18 +2243,13 @@
               <a:rPr lang="en-US"/>
               <a:t>Click to edit Master title style</a:t>
             </a:r>
-          </a:p>
-        </p:txBody>
-      </p:sp>
-      <p:sp>
-        <p:nvSpPr>
-          <p:cNvPr id="3" name="Content Placeholder 2">
-            <a:extLst>
-              <a:ext uri="{FF2B5EF4-FFF2-40B4-BE49-F238E27FC236}">
-                <a16:creationId xmlns:a16="http://schemas.microsoft.com/office/drawing/2014/main" id="{E8582F9A-1BA6-58DF-A559-A923220604FA}"/>
-              </a:ext>
-            </a:extLst>
-          </p:cNvPr>
+            <a:endParaRPr lang="en-US" dirty="0"/>
+          </a:p>
+        </p:txBody>
+      </p:sp>
+      <p:sp>
+        <p:nvSpPr>
+          <p:cNvPr id="3" name="Content Placeholder 2"/>
           <p:cNvSpPr>
             <a:spLocks noGrp="1"/>
           </p:cNvSpPr>
@@ -2228,41 +2259,13 @@
         </p:nvSpPr>
         <p:spPr>
           <a:xfrm>
-            <a:off x="5183188" y="987425"/>
-            <a:ext cx="6172200" cy="4873625"/>
+            <a:off x="5043714" y="798974"/>
+            <a:ext cx="6012470" cy="4658826"/>
           </a:xfrm>
         </p:spPr>
         <p:txBody>
-          <a:bodyPr/>
-          <a:lstStyle>
-            <a:lvl1pPr>
-              <a:defRPr sz="3200"/>
-            </a:lvl1pPr>
-            <a:lvl2pPr>
-              <a:defRPr sz="2800"/>
-            </a:lvl2pPr>
-            <a:lvl3pPr>
-              <a:defRPr sz="2400"/>
-            </a:lvl3pPr>
-            <a:lvl4pPr>
-              <a:defRPr sz="2000"/>
-            </a:lvl4pPr>
-            <a:lvl5pPr>
-              <a:defRPr sz="2000"/>
-            </a:lvl5pPr>
-            <a:lvl6pPr>
-              <a:defRPr sz="2000"/>
-            </a:lvl6pPr>
-            <a:lvl7pPr>
-              <a:defRPr sz="2000"/>
-            </a:lvl7pPr>
-            <a:lvl8pPr>
-              <a:defRPr sz="2000"/>
-            </a:lvl8pPr>
-            <a:lvl9pPr>
-              <a:defRPr sz="2000"/>
-            </a:lvl9pPr>
-          </a:lstStyle>
+          <a:bodyPr anchor="ctr"/>
+          <a:lstStyle/>
           <a:p>
             <a:pPr lvl="0"/>
             <a:r>
@@ -2297,18 +2300,13 @@
               <a:rPr lang="en-US"/>
               <a:t>Fifth level</a:t>
             </a:r>
-          </a:p>
-        </p:txBody>
-      </p:sp>
-      <p:sp>
-        <p:nvSpPr>
-          <p:cNvPr id="4" name="Text Placeholder 3">
-            <a:extLst>
-              <a:ext uri="{FF2B5EF4-FFF2-40B4-BE49-F238E27FC236}">
-                <a16:creationId xmlns:a16="http://schemas.microsoft.com/office/drawing/2014/main" id="{73734209-57AE-9346-F0B1-BBA74FB7EE8D}"/>
-              </a:ext>
-            </a:extLst>
-          </p:cNvPr>
+            <a:endParaRPr lang="en-US" dirty="0"/>
+          </a:p>
+        </p:txBody>
+      </p:sp>
+      <p:sp>
+        <p:nvSpPr>
+          <p:cNvPr id="4" name="Text Placeholder 3"/>
           <p:cNvSpPr>
             <a:spLocks noGrp="1"/>
           </p:cNvSpPr>
@@ -2318,14 +2316,14 @@
         </p:nvSpPr>
         <p:spPr>
           <a:xfrm>
-            <a:off x="839788" y="2057400"/>
-            <a:ext cx="3932237" cy="3811588"/>
+            <a:off x="1444671" y="3205491"/>
+            <a:ext cx="3275013" cy="2248181"/>
           </a:xfrm>
         </p:spPr>
         <p:txBody>
           <a:bodyPr/>
           <a:lstStyle>
-            <a:lvl1pPr marL="0" indent="0">
+            <a:lvl1pPr marL="0" indent="0" algn="l">
               <a:buNone/>
               <a:defRPr sz="1600"/>
             </a:lvl1pPr>
@@ -2373,13 +2371,7 @@
       </p:sp>
       <p:sp>
         <p:nvSpPr>
-          <p:cNvPr id="5" name="Date Placeholder 4">
-            <a:extLst>
-              <a:ext uri="{FF2B5EF4-FFF2-40B4-BE49-F238E27FC236}">
-                <a16:creationId xmlns:a16="http://schemas.microsoft.com/office/drawing/2014/main" id="{975ABD0B-3353-F6A7-39AD-F9F1293B86A2}"/>
-              </a:ext>
-            </a:extLst>
-          </p:cNvPr>
+          <p:cNvPr id="5" name="Date Placeholder 4"/>
           <p:cNvSpPr>
             <a:spLocks noGrp="1"/>
           </p:cNvSpPr>
@@ -2402,13 +2394,7 @@
       </p:sp>
       <p:sp>
         <p:nvSpPr>
-          <p:cNvPr id="6" name="Footer Placeholder 5">
-            <a:extLst>
-              <a:ext uri="{FF2B5EF4-FFF2-40B4-BE49-F238E27FC236}">
-                <a16:creationId xmlns:a16="http://schemas.microsoft.com/office/drawing/2014/main" id="{D3F87EEB-EC65-A61C-9CA6-1A0B572FEF8D}"/>
-              </a:ext>
-            </a:extLst>
-          </p:cNvPr>
+          <p:cNvPr id="6" name="Footer Placeholder 5"/>
           <p:cNvSpPr>
             <a:spLocks noGrp="1"/>
           </p:cNvSpPr>
@@ -2427,13 +2413,7 @@
       </p:sp>
       <p:sp>
         <p:nvSpPr>
-          <p:cNvPr id="7" name="Slide Number Placeholder 6">
-            <a:extLst>
-              <a:ext uri="{FF2B5EF4-FFF2-40B4-BE49-F238E27FC236}">
-                <a16:creationId xmlns:a16="http://schemas.microsoft.com/office/drawing/2014/main" id="{A5B73C06-8F12-D32F-6A78-EF80C10BC242}"/>
-              </a:ext>
-            </a:extLst>
-          </p:cNvPr>
+          <p:cNvPr id="7" name="Slide Number Placeholder 6"/>
           <p:cNvSpPr>
             <a:spLocks noGrp="1"/>
           </p:cNvSpPr>
@@ -2454,10 +2434,41 @@
           </a:p>
         </p:txBody>
       </p:sp>
+      <p:cxnSp>
+        <p:nvCxnSpPr>
+          <p:cNvPr id="17" name="Straight Connector 16"/>
+          <p:cNvCxnSpPr/>
+          <p:nvPr/>
+        </p:nvCxnSpPr>
+        <p:spPr>
+          <a:xfrm>
+            <a:off x="1448280" y="3205491"/>
+            <a:ext cx="3269490" cy="0"/>
+          </a:xfrm>
+          <a:prstGeom prst="line">
+            <a:avLst/>
+          </a:prstGeom>
+          <a:ln w="31750"/>
+        </p:spPr>
+        <p:style>
+          <a:lnRef idx="3">
+            <a:schemeClr val="accent1"/>
+          </a:lnRef>
+          <a:fillRef idx="0">
+            <a:schemeClr val="accent1"/>
+          </a:fillRef>
+          <a:effectRef idx="2">
+            <a:schemeClr val="accent1"/>
+          </a:effectRef>
+          <a:fontRef idx="minor">
+            <a:schemeClr val="tx1"/>
+          </a:fontRef>
+        </p:style>
+      </p:cxnSp>
     </p:spTree>
     <p:extLst>
       <p:ext uri="{BB962C8B-B14F-4D97-AF65-F5344CB8AC3E}">
-        <p14:creationId xmlns:p14="http://schemas.microsoft.com/office/powerpoint/2010/main" val="2769097506"/>
+        <p14:creationId xmlns:p14="http://schemas.microsoft.com/office/powerpoint/2010/main" val="4082858164"/>
       </p:ext>
     </p:extLst>
   </p:cSld>
@@ -2484,15 +2495,143 @@
           <a:chExt cx="0" cy="0"/>
         </a:xfrm>
       </p:grpSpPr>
-      <p:sp>
-        <p:nvSpPr>
-          <p:cNvPr id="2" name="Title 1">
-            <a:extLst>
-              <a:ext uri="{FF2B5EF4-FFF2-40B4-BE49-F238E27FC236}">
-                <a16:creationId xmlns:a16="http://schemas.microsoft.com/office/drawing/2014/main" id="{13096D15-045D-478B-65C1-207D2D335C64}"/>
-              </a:ext>
-            </a:extLst>
-          </p:cNvPr>
+      <p:grpSp>
+        <p:nvGrpSpPr>
+          <p:cNvPr id="8" name="Group 7"/>
+          <p:cNvGrpSpPr/>
+          <p:nvPr/>
+        </p:nvGrpSpPr>
+        <p:grpSpPr>
+          <a:xfrm>
+            <a:off x="7477387" y="482170"/>
+            <a:ext cx="4074533" cy="5149101"/>
+            <a:chOff x="7477387" y="482170"/>
+            <a:chExt cx="4074533" cy="5149101"/>
+          </a:xfrm>
+        </p:grpSpPr>
+        <p:sp>
+          <p:nvSpPr>
+            <p:cNvPr id="18" name="Rectangle 17"/>
+            <p:cNvSpPr/>
+            <p:nvPr/>
+          </p:nvSpPr>
+          <p:spPr bwMode="black">
+            <a:xfrm>
+              <a:off x="7477387" y="482170"/>
+              <a:ext cx="4074533" cy="5149101"/>
+            </a:xfrm>
+            <a:prstGeom prst="rect">
+              <a:avLst/>
+            </a:prstGeom>
+            <a:gradFill>
+              <a:gsLst>
+                <a:gs pos="0">
+                  <a:srgbClr val="000001"/>
+                </a:gs>
+                <a:gs pos="100000">
+                  <a:srgbClr val="191919"/>
+                </a:gs>
+              </a:gsLst>
+            </a:gradFill>
+            <a:ln w="76200" cmpd="sng">
+              <a:noFill/>
+              <a:miter lim="800000"/>
+            </a:ln>
+            <a:effectLst>
+              <a:outerShdw blurRad="127000" dist="228600" dir="4740000" sx="98000" sy="98000" algn="tl" rotWithShape="0">
+                <a:srgbClr val="000000">
+                  <a:alpha val="34000"/>
+                </a:srgbClr>
+              </a:outerShdw>
+            </a:effectLst>
+            <a:scene3d>
+              <a:camera prst="orthographicFront"/>
+              <a:lightRig rig="threePt" dir="t"/>
+            </a:scene3d>
+            <a:sp3d>
+              <a:bevelT w="152400" h="50800" prst="softRound"/>
+            </a:sp3d>
+          </p:spPr>
+          <p:style>
+            <a:lnRef idx="1">
+              <a:schemeClr val="accent1"/>
+            </a:lnRef>
+            <a:fillRef idx="3">
+              <a:schemeClr val="accent1"/>
+            </a:fillRef>
+            <a:effectRef idx="2">
+              <a:schemeClr val="accent1"/>
+            </a:effectRef>
+            <a:fontRef idx="minor">
+              <a:schemeClr val="lt1"/>
+            </a:fontRef>
+          </p:style>
+        </p:sp>
+        <p:sp>
+          <p:nvSpPr>
+            <p:cNvPr id="19" name="Rectangle 18"/>
+            <p:cNvSpPr/>
+            <p:nvPr/>
+          </p:nvSpPr>
+          <p:spPr bwMode="blackWhite">
+            <a:xfrm>
+              <a:off x="7790446" y="812506"/>
+              <a:ext cx="3450289" cy="4466452"/>
+            </a:xfrm>
+            <a:prstGeom prst="rect">
+              <a:avLst/>
+            </a:prstGeom>
+            <a:gradFill>
+              <a:gsLst>
+                <a:gs pos="0">
+                  <a:srgbClr val="DADADA"/>
+                </a:gs>
+                <a:gs pos="100000">
+                  <a:srgbClr val="FFFFFE"/>
+                </a:gs>
+              </a:gsLst>
+              <a:lin ang="16200000" scaled="0"/>
+            </a:gradFill>
+            <a:ln w="50800" cmpd="sng">
+              <a:solidFill>
+                <a:srgbClr val="191919"/>
+              </a:solidFill>
+              <a:miter lim="800000"/>
+            </a:ln>
+            <a:effectLst>
+              <a:innerShdw blurRad="63500" dist="88900" dir="14100000">
+                <a:srgbClr val="000000">
+                  <a:alpha val="30000"/>
+                </a:srgbClr>
+              </a:innerShdw>
+            </a:effectLst>
+            <a:scene3d>
+              <a:camera prst="orthographicFront"/>
+              <a:lightRig rig="threePt" dir="t"/>
+            </a:scene3d>
+            <a:sp3d>
+              <a:bevelT prst="relaxedInset"/>
+            </a:sp3d>
+          </p:spPr>
+          <p:style>
+            <a:lnRef idx="1">
+              <a:schemeClr val="accent1"/>
+            </a:lnRef>
+            <a:fillRef idx="3">
+              <a:schemeClr val="accent1"/>
+            </a:fillRef>
+            <a:effectRef idx="2">
+              <a:schemeClr val="accent1"/>
+            </a:effectRef>
+            <a:fontRef idx="minor">
+              <a:schemeClr val="lt1"/>
+            </a:fontRef>
+          </p:style>
+        </p:sp>
+      </p:grpSp>
+      <p:sp>
+        <p:nvSpPr>
+          <p:cNvPr id="2" name="Title 1"/>
           <p:cNvSpPr>
             <a:spLocks noGrp="1"/>
           </p:cNvSpPr>
@@ -2502,12 +2641,14 @@
         </p:nvSpPr>
         <p:spPr>
           <a:xfrm>
-            <a:off x="839788" y="457200"/>
-            <a:ext cx="3932237" cy="1600200"/>
+            <a:off x="1451206" y="1129513"/>
+            <a:ext cx="5532328" cy="1830584"/>
           </a:xfrm>
         </p:spPr>
         <p:txBody>
-          <a:bodyPr anchor="b"/>
+          <a:bodyPr anchor="b">
+            <a:normAutofit/>
+          </a:bodyPr>
           <a:lstStyle>
             <a:lvl1pPr>
               <a:defRPr sz="3200"/>
@@ -2518,20 +2659,15 @@
               <a:rPr lang="en-US"/>
               <a:t>Click to edit Master title style</a:t>
             </a:r>
-          </a:p>
-        </p:txBody>
-      </p:sp>
-      <p:sp>
-        <p:nvSpPr>
-          <p:cNvPr id="3" name="Picture Placeholder 2">
-            <a:extLst>
-              <a:ext uri="{FF2B5EF4-FFF2-40B4-BE49-F238E27FC236}">
-                <a16:creationId xmlns:a16="http://schemas.microsoft.com/office/drawing/2014/main" id="{74DC6EC6-A682-F803-32C9-951F1676208A}"/>
-              </a:ext>
-            </a:extLst>
-          </p:cNvPr>
-          <p:cNvSpPr>
-            <a:spLocks noGrp="1"/>
+            <a:endParaRPr lang="en-US" dirty="0"/>
+          </a:p>
+        </p:txBody>
+      </p:sp>
+      <p:sp>
+        <p:nvSpPr>
+          <p:cNvPr id="3" name="Picture Placeholder 2"/>
+          <p:cNvSpPr>
+            <a:spLocks noGrp="1" noChangeAspect="1"/>
           </p:cNvSpPr>
           <p:nvPr>
             <p:ph type="pic" idx="1"/>
@@ -2539,14 +2675,24 @@
         </p:nvSpPr>
         <p:spPr>
           <a:xfrm>
-            <a:off x="5183188" y="987425"/>
-            <a:ext cx="6172200" cy="4873625"/>
+            <a:off x="8124389" y="1122542"/>
+            <a:ext cx="2791171" cy="3866327"/>
           </a:xfrm>
+          <a:solidFill>
+            <a:schemeClr val="bg1">
+              <a:lumMod val="85000"/>
+            </a:schemeClr>
+          </a:solidFill>
+          <a:ln w="9525" cap="sq">
+            <a:noFill/>
+            <a:miter lim="800000"/>
+          </a:ln>
+          <a:effectLst/>
         </p:spPr>
         <p:txBody>
-          <a:bodyPr/>
+          <a:bodyPr anchor="t"/>
           <a:lstStyle>
-            <a:lvl1pPr marL="0" indent="0">
+            <a:lvl1pPr marL="0" indent="0" algn="ctr">
               <a:buNone/>
               <a:defRPr sz="3200"/>
             </a:lvl1pPr>
@@ -2584,19 +2730,17 @@
             </a:lvl9pPr>
           </a:lstStyle>
           <a:p>
-            <a:endParaRPr lang="en-US"/>
-          </a:p>
-        </p:txBody>
-      </p:sp>
-      <p:sp>
-        <p:nvSpPr>
-          <p:cNvPr id="4" name="Text Placeholder 3">
-            <a:extLst>
-              <a:ext uri="{FF2B5EF4-FFF2-40B4-BE49-F238E27FC236}">
-                <a16:creationId xmlns:a16="http://schemas.microsoft.com/office/drawing/2014/main" id="{18EB6030-BF56-DF44-ED18-60B82FF28602}"/>
-              </a:ext>
-            </a:extLst>
-          </p:cNvPr>
+            <a:r>
+              <a:rPr lang="en-US"/>
+              <a:t>Click icon to add picture</a:t>
+            </a:r>
+            <a:endParaRPr lang="en-US" dirty="0"/>
+          </a:p>
+        </p:txBody>
+      </p:sp>
+      <p:sp>
+        <p:nvSpPr>
+          <p:cNvPr id="4" name="Text Placeholder 3"/>
           <p:cNvSpPr>
             <a:spLocks noGrp="1"/>
           </p:cNvSpPr>
@@ -2606,16 +2750,18 @@
         </p:nvSpPr>
         <p:spPr>
           <a:xfrm>
-            <a:off x="839788" y="2057400"/>
-            <a:ext cx="3932237" cy="3811588"/>
+            <a:off x="1450329" y="3145992"/>
+            <a:ext cx="5524404" cy="2003742"/>
           </a:xfrm>
         </p:spPr>
         <p:txBody>
-          <a:bodyPr/>
+          <a:bodyPr>
+            <a:normAutofit/>
+          </a:bodyPr>
           <a:lstStyle>
-            <a:lvl1pPr marL="0" indent="0">
-              <a:buNone/>
-              <a:defRPr sz="1600"/>
+            <a:lvl1pPr marL="0" indent="0" algn="l">
+              <a:buNone/>
+              <a:defRPr sz="1800"/>
             </a:lvl1pPr>
             <a:lvl2pPr marL="457200" indent="0">
               <a:buNone/>
@@ -2661,13 +2807,7 @@
       </p:sp>
       <p:sp>
         <p:nvSpPr>
-          <p:cNvPr id="5" name="Date Placeholder 4">
-            <a:extLst>
-              <a:ext uri="{FF2B5EF4-FFF2-40B4-BE49-F238E27FC236}">
-                <a16:creationId xmlns:a16="http://schemas.microsoft.com/office/drawing/2014/main" id="{9CA34289-2E97-1A50-D980-23A257E31EDD}"/>
-              </a:ext>
-            </a:extLst>
-          </p:cNvPr>
+          <p:cNvPr id="5" name="Date Placeholder 4"/>
           <p:cNvSpPr>
             <a:spLocks noGrp="1"/>
           </p:cNvSpPr>
@@ -2675,10 +2815,19 @@
             <p:ph type="dt" sz="half" idx="10"/>
           </p:nvPr>
         </p:nvSpPr>
-        <p:spPr/>
-        <p:txBody>
-          <a:bodyPr/>
-          <a:lstStyle/>
+        <p:spPr>
+          <a:xfrm>
+            <a:off x="1447382" y="5469856"/>
+            <a:ext cx="5527351" cy="320123"/>
+          </a:xfrm>
+        </p:spPr>
+        <p:txBody>
+          <a:bodyPr/>
+          <a:lstStyle>
+            <a:lvl1pPr algn="l">
+              <a:defRPr/>
+            </a:lvl1pPr>
+          </a:lstStyle>
           <a:p>
             <a:fld id="{6A62D817-3772-4D5D-BA66-4B89F557AAB5}" type="datetimeFigureOut">
               <a:rPr lang="en-US" smtClean="0"/>
@@ -2690,13 +2839,7 @@
       </p:sp>
       <p:sp>
         <p:nvSpPr>
-          <p:cNvPr id="6" name="Footer Placeholder 5">
-            <a:extLst>
-              <a:ext uri="{FF2B5EF4-FFF2-40B4-BE49-F238E27FC236}">
-                <a16:creationId xmlns:a16="http://schemas.microsoft.com/office/drawing/2014/main" id="{1B26F4FB-1E29-695F-DD1B-500CDFE6F1E5}"/>
-              </a:ext>
-            </a:extLst>
-          </p:cNvPr>
+          <p:cNvPr id="6" name="Footer Placeholder 5"/>
           <p:cNvSpPr>
             <a:spLocks noGrp="1"/>
           </p:cNvSpPr>
@@ -2704,7 +2847,12 @@
             <p:ph type="ftr" sz="quarter" idx="11"/>
           </p:nvPr>
         </p:nvSpPr>
-        <p:spPr/>
+        <p:spPr>
+          <a:xfrm>
+            <a:off x="1447382" y="318640"/>
+            <a:ext cx="5541004" cy="320931"/>
+          </a:xfrm>
+        </p:spPr>
         <p:txBody>
           <a:bodyPr/>
           <a:lstStyle/>
@@ -2715,13 +2863,7 @@
       </p:sp>
       <p:sp>
         <p:nvSpPr>
-          <p:cNvPr id="7" name="Slide Number Placeholder 6">
-            <a:extLst>
-              <a:ext uri="{FF2B5EF4-FFF2-40B4-BE49-F238E27FC236}">
-                <a16:creationId xmlns:a16="http://schemas.microsoft.com/office/drawing/2014/main" id="{FA550827-AA9E-2AB8-11EF-2277837A00E5}"/>
-              </a:ext>
-            </a:extLst>
-          </p:cNvPr>
+          <p:cNvPr id="7" name="Slide Number Placeholder 6"/>
           <p:cNvSpPr>
             <a:spLocks noGrp="1"/>
           </p:cNvSpPr>
@@ -2742,10 +2884,41 @@
           </a:p>
         </p:txBody>
       </p:sp>
+      <p:cxnSp>
+        <p:nvCxnSpPr>
+          <p:cNvPr id="31" name="Straight Connector 30"/>
+          <p:cNvCxnSpPr/>
+          <p:nvPr/>
+        </p:nvCxnSpPr>
+        <p:spPr>
+          <a:xfrm>
+            <a:off x="1447382" y="3143605"/>
+            <a:ext cx="5527351" cy="0"/>
+          </a:xfrm>
+          <a:prstGeom prst="line">
+            <a:avLst/>
+          </a:prstGeom>
+          <a:ln w="31750"/>
+        </p:spPr>
+        <p:style>
+          <a:lnRef idx="3">
+            <a:schemeClr val="accent1"/>
+          </a:lnRef>
+          <a:fillRef idx="0">
+            <a:schemeClr val="accent1"/>
+          </a:fillRef>
+          <a:effectRef idx="2">
+            <a:schemeClr val="accent1"/>
+          </a:effectRef>
+          <a:fontRef idx="minor">
+            <a:schemeClr val="tx1"/>
+          </a:fontRef>
+        </p:style>
+      </p:cxnSp>
     </p:spTree>
     <p:extLst>
       <p:ext uri="{BB962C8B-B14F-4D97-AF65-F5344CB8AC3E}">
-        <p14:creationId xmlns:p14="http://schemas.microsoft.com/office/powerpoint/2010/main" val="3213664842"/>
+        <p14:creationId xmlns:p14="http://schemas.microsoft.com/office/powerpoint/2010/main" val="1580701631"/>
       </p:ext>
     </p:extLst>
   </p:cSld>
@@ -2759,8 +2932,8 @@
 <p:sldMaster xmlns:a="http://schemas.openxmlformats.org/drawingml/2006/main" xmlns:r="http://schemas.openxmlformats.org/officeDocument/2006/relationships" xmlns:p="http://schemas.openxmlformats.org/presentationml/2006/main">
   <p:cSld>
     <p:bg>
-      <p:bgRef idx="1001">
-        <a:schemeClr val="bg1"/>
+      <p:bgRef idx="1003">
+        <a:schemeClr val="bg2"/>
       </p:bgRef>
     </p:bg>
     <p:spTree>
@@ -2779,139 +2952,201 @@
       </p:grpSpPr>
       <p:sp>
         <p:nvSpPr>
-          <p:cNvPr id="2" name="Title Placeholder 1">
+          <p:cNvPr id="8" name="Rectangle 7"/>
+          <p:cNvSpPr/>
+          <p:nvPr/>
+        </p:nvSpPr>
+        <p:spPr>
+          <a:xfrm>
+            <a:off x="0" y="2019476"/>
+            <a:ext cx="12192000" cy="4105941"/>
+          </a:xfrm>
+          <a:prstGeom prst="rect">
+            <a:avLst/>
+          </a:prstGeom>
+          <a:gradFill flip="none" rotWithShape="1">
+            <a:gsLst>
+              <a:gs pos="0">
+                <a:schemeClr val="bg2">
+                  <a:alpha val="0"/>
+                </a:schemeClr>
+              </a:gs>
+              <a:gs pos="100000">
+                <a:schemeClr val="bg2"/>
+              </a:gs>
+            </a:gsLst>
+            <a:lin ang="5400000" scaled="0"/>
+            <a:tileRect/>
+          </a:gradFill>
+          <a:ln>
+            <a:noFill/>
+          </a:ln>
+        </p:spPr>
+        <p:style>
+          <a:lnRef idx="2">
+            <a:schemeClr val="accent1">
+              <a:shade val="50000"/>
+            </a:schemeClr>
+          </a:lnRef>
+          <a:fillRef idx="1">
+            <a:schemeClr val="accent1"/>
+          </a:fillRef>
+          <a:effectRef idx="0">
+            <a:schemeClr val="accent1"/>
+          </a:effectRef>
+          <a:fontRef idx="minor">
+            <a:schemeClr val="lt1"/>
+          </a:fontRef>
+        </p:style>
+      </p:sp>
+      <p:pic>
+        <p:nvPicPr>
+          <p:cNvPr id="7" name="Picture 6"/>
+          <p:cNvPicPr>
+            <a:picLocks noChangeAspect="1"/>
+          </p:cNvPicPr>
+          <p:nvPr/>
+        </p:nvPicPr>
+        <p:blipFill rotWithShape="1">
+          <a:blip r:embed="rId13">
             <a:extLst>
-              <a:ext uri="{FF2B5EF4-FFF2-40B4-BE49-F238E27FC236}">
-                <a16:creationId xmlns:a16="http://schemas.microsoft.com/office/drawing/2014/main" id="{6B9DD0DF-B59F-8DFE-79CF-53431FA5C13C}"/>
+              <a:ext uri="{28A0092B-C50C-407E-A947-70E740481C1C}">
+                <a14:useLocalDpi xmlns:a14="http://schemas.microsoft.com/office/drawing/2010/main" val="0"/>
               </a:ext>
             </a:extLst>
-          </p:cNvPr>
-          <p:cNvSpPr>
-            <a:spLocks noGrp="1"/>
-          </p:cNvSpPr>
-          <p:nvPr>
-            <p:ph type="title"/>
-          </p:nvPr>
-        </p:nvSpPr>
-        <p:spPr>
+          </a:blip>
+          <a:srcRect t="1538" b="-1538"/>
+          <a:stretch/>
+        </p:blipFill>
+        <p:spPr bwMode="black">
           <a:xfrm>
-            <a:off x="838200" y="365125"/>
-            <a:ext cx="10515600" cy="1325563"/>
+            <a:off x="0" y="6126480"/>
+            <a:ext cx="12192000" cy="742950"/>
           </a:xfrm>
           <a:prstGeom prst="rect">
             <a:avLst/>
           </a:prstGeom>
         </p:spPr>
-        <p:txBody>
-          <a:bodyPr vert="horz" lIns="91440" tIns="45720" rIns="91440" bIns="45720" rtlCol="0" anchor="ctr">
-            <a:normAutofit/>
-          </a:bodyPr>
-          <a:lstStyle/>
-          <a:p>
-            <a:r>
-              <a:rPr lang="en-US"/>
-              <a:t>Click to edit Master title style</a:t>
-            </a:r>
-          </a:p>
-        </p:txBody>
-      </p:sp>
-      <p:sp>
-        <p:nvSpPr>
-          <p:cNvPr id="3" name="Text Placeholder 2">
-            <a:extLst>
-              <a:ext uri="{FF2B5EF4-FFF2-40B4-BE49-F238E27FC236}">
-                <a16:creationId xmlns:a16="http://schemas.microsoft.com/office/drawing/2014/main" id="{9EF0445F-1D77-4CC4-E93E-38EF37868825}"/>
-              </a:ext>
-            </a:extLst>
-          </p:cNvPr>
-          <p:cNvSpPr>
-            <a:spLocks noGrp="1"/>
-          </p:cNvSpPr>
-          <p:nvPr>
-            <p:ph type="body" idx="1"/>
+      </p:pic>
+      <p:sp>
+        <p:nvSpPr>
+          <p:cNvPr id="2" name="Title Placeholder 1"/>
+          <p:cNvSpPr>
+            <a:spLocks noGrp="1"/>
+          </p:cNvSpPr>
+          <p:nvPr>
+            <p:ph type="title"/>
           </p:nvPr>
         </p:nvSpPr>
         <p:spPr>
           <a:xfrm>
-            <a:off x="838200" y="1825625"/>
-            <a:ext cx="10515600" cy="4351338"/>
+            <a:off x="1451579" y="804519"/>
+            <a:ext cx="9603275" cy="1049235"/>
           </a:xfrm>
           <a:prstGeom prst="rect">
             <a:avLst/>
           </a:prstGeom>
         </p:spPr>
         <p:txBody>
-          <a:bodyPr vert="horz" lIns="91440" tIns="45720" rIns="91440" bIns="45720" rtlCol="0">
+          <a:bodyPr vert="horz" lIns="91440" tIns="45720" rIns="91440" bIns="45720" rtlCol="0" anchor="t">
             <a:normAutofit/>
           </a:bodyPr>
           <a:lstStyle/>
           <a:p>
-            <a:pPr lvl="0"/>
-            <a:r>
-              <a:rPr lang="en-US"/>
-              <a:t>Click to edit Master text styles</a:t>
-            </a:r>
-          </a:p>
-          <a:p>
-            <a:pPr lvl="1"/>
-            <a:r>
-              <a:rPr lang="en-US"/>
-              <a:t>Second level</a:t>
-            </a:r>
-          </a:p>
-          <a:p>
-            <a:pPr lvl="2"/>
-            <a:r>
-              <a:rPr lang="en-US"/>
-              <a:t>Third level</a:t>
-            </a:r>
-          </a:p>
-          <a:p>
-            <a:pPr lvl="3"/>
-            <a:r>
-              <a:rPr lang="en-US"/>
-              <a:t>Fourth level</a:t>
-            </a:r>
-          </a:p>
-          <a:p>
-            <a:pPr lvl="4"/>
-            <a:r>
-              <a:rPr lang="en-US"/>
-              <a:t>Fifth level</a:t>
-            </a:r>
-          </a:p>
-        </p:txBody>
-      </p:sp>
-      <p:sp>
-        <p:nvSpPr>
-          <p:cNvPr id="4" name="Date Placeholder 3">
-            <a:extLst>
-              <a:ext uri="{FF2B5EF4-FFF2-40B4-BE49-F238E27FC236}">
-                <a16:creationId xmlns:a16="http://schemas.microsoft.com/office/drawing/2014/main" id="{7BDDE128-5AD7-539F-C0E1-D4B9AF8FE2CB}"/>
-              </a:ext>
-            </a:extLst>
-          </p:cNvPr>
-          <p:cNvSpPr>
-            <a:spLocks noGrp="1"/>
-          </p:cNvSpPr>
-          <p:nvPr>
-            <p:ph type="dt" sz="half" idx="2"/>
+            <a:r>
+              <a:rPr lang="en-US"/>
+              <a:t>Click to edit Master title style</a:t>
+            </a:r>
+            <a:endParaRPr lang="en-US" dirty="0"/>
+          </a:p>
+        </p:txBody>
+      </p:sp>
+      <p:sp>
+        <p:nvSpPr>
+          <p:cNvPr id="3" name="Text Placeholder 2"/>
+          <p:cNvSpPr>
+            <a:spLocks noGrp="1"/>
+          </p:cNvSpPr>
+          <p:nvPr>
+            <p:ph type="body" idx="1"/>
           </p:nvPr>
         </p:nvSpPr>
         <p:spPr>
           <a:xfrm>
-            <a:off x="838200" y="6356350"/>
-            <a:ext cx="2743200" cy="365125"/>
+            <a:off x="1451579" y="2015732"/>
+            <a:ext cx="9603275" cy="3450613"/>
           </a:xfrm>
           <a:prstGeom prst="rect">
             <a:avLst/>
           </a:prstGeom>
         </p:spPr>
         <p:txBody>
+          <a:bodyPr vert="horz" lIns="91440" tIns="45720" rIns="91440" bIns="45720" rtlCol="0">
+            <a:normAutofit/>
+          </a:bodyPr>
+          <a:lstStyle/>
+          <a:p>
+            <a:pPr lvl="0"/>
+            <a:r>
+              <a:rPr lang="en-US"/>
+              <a:t>Click to edit Master text styles</a:t>
+            </a:r>
+          </a:p>
+          <a:p>
+            <a:pPr lvl="1"/>
+            <a:r>
+              <a:rPr lang="en-US"/>
+              <a:t>Second level</a:t>
+            </a:r>
+          </a:p>
+          <a:p>
+            <a:pPr lvl="2"/>
+            <a:r>
+              <a:rPr lang="en-US"/>
+              <a:t>Third level</a:t>
+            </a:r>
+          </a:p>
+          <a:p>
+            <a:pPr lvl="3"/>
+            <a:r>
+              <a:rPr lang="en-US"/>
+              <a:t>Fourth level</a:t>
+            </a:r>
+          </a:p>
+          <a:p>
+            <a:pPr lvl="4"/>
+            <a:r>
+              <a:rPr lang="en-US"/>
+              <a:t>Fifth level</a:t>
+            </a:r>
+            <a:endParaRPr lang="en-US" dirty="0"/>
+          </a:p>
+        </p:txBody>
+      </p:sp>
+      <p:sp>
+        <p:nvSpPr>
+          <p:cNvPr id="4" name="Date Placeholder 3"/>
+          <p:cNvSpPr>
+            <a:spLocks noGrp="1"/>
+          </p:cNvSpPr>
+          <p:nvPr>
+            <p:ph type="dt" sz="half" idx="2"/>
+          </p:nvPr>
+        </p:nvSpPr>
+        <p:spPr>
+          <a:xfrm>
+            <a:off x="7554138" y="330370"/>
+            <a:ext cx="3500715" cy="309201"/>
+          </a:xfrm>
+          <a:prstGeom prst="rect">
+            <a:avLst/>
+          </a:prstGeom>
+        </p:spPr>
+        <p:txBody>
           <a:bodyPr vert="horz" lIns="91440" tIns="45720" rIns="91440" bIns="45720" rtlCol="0" anchor="ctr"/>
           <a:lstStyle>
-            <a:lvl1pPr algn="l">
-              <a:defRPr sz="1200">
+            <a:lvl1pPr algn="r">
+              <a:defRPr sz="1000">
                 <a:solidFill>
                   <a:schemeClr val="tx1">
                     <a:tint val="75000"/>
@@ -2931,13 +3166,7 @@
       </p:sp>
       <p:sp>
         <p:nvSpPr>
-          <p:cNvPr id="5" name="Footer Placeholder 4">
-            <a:extLst>
-              <a:ext uri="{FF2B5EF4-FFF2-40B4-BE49-F238E27FC236}">
-                <a16:creationId xmlns:a16="http://schemas.microsoft.com/office/drawing/2014/main" id="{5C787A3A-7709-CA63-7BA8-B2CC78DF7D56}"/>
-              </a:ext>
-            </a:extLst>
-          </p:cNvPr>
+          <p:cNvPr id="5" name="Footer Placeholder 4"/>
           <p:cNvSpPr>
             <a:spLocks noGrp="1"/>
           </p:cNvSpPr>
@@ -2947,8 +3176,8 @@
         </p:nvSpPr>
         <p:spPr>
           <a:xfrm>
-            <a:off x="4038600" y="6356350"/>
-            <a:ext cx="4114800" cy="365125"/>
+            <a:off x="1451579" y="329307"/>
+            <a:ext cx="5938836" cy="309201"/>
           </a:xfrm>
           <a:prstGeom prst="rect">
             <a:avLst/>
@@ -2957,8 +3186,8 @@
         <p:txBody>
           <a:bodyPr vert="horz" lIns="91440" tIns="45720" rIns="91440" bIns="45720" rtlCol="0" anchor="ctr"/>
           <a:lstStyle>
-            <a:lvl1pPr algn="ctr">
-              <a:defRPr sz="1200">
+            <a:lvl1pPr algn="l">
+              <a:defRPr sz="1000">
                 <a:solidFill>
                   <a:schemeClr val="tx1">
                     <a:tint val="75000"/>
@@ -2974,13 +3203,7 @@
       </p:sp>
       <p:sp>
         <p:nvSpPr>
-          <p:cNvPr id="6" name="Slide Number Placeholder 5">
-            <a:extLst>
-              <a:ext uri="{FF2B5EF4-FFF2-40B4-BE49-F238E27FC236}">
-                <a16:creationId xmlns:a16="http://schemas.microsoft.com/office/drawing/2014/main" id="{A730AC0A-8E53-D36E-F5D0-35EDC68C30FC}"/>
-              </a:ext>
-            </a:extLst>
-          </p:cNvPr>
+          <p:cNvPr id="6" name="Slide Number Placeholder 5"/>
           <p:cNvSpPr>
             <a:spLocks noGrp="1"/>
           </p:cNvSpPr>
@@ -2990,22 +3213,20 @@
         </p:nvSpPr>
         <p:spPr>
           <a:xfrm>
-            <a:off x="8610600" y="6356350"/>
-            <a:ext cx="2743200" cy="365125"/>
+            <a:off x="480060" y="798973"/>
+            <a:ext cx="811019" cy="503578"/>
           </a:xfrm>
           <a:prstGeom prst="rect">
             <a:avLst/>
           </a:prstGeom>
         </p:spPr>
         <p:txBody>
-          <a:bodyPr vert="horz" lIns="91440" tIns="45720" rIns="91440" bIns="45720" rtlCol="0" anchor="ctr"/>
+          <a:bodyPr vert="horz" lIns="91440" tIns="45720" rIns="91440" bIns="45720" rtlCol="0" anchor="t"/>
           <a:lstStyle>
             <a:lvl1pPr algn="r">
-              <a:defRPr sz="1200">
+              <a:defRPr sz="2800">
                 <a:solidFill>
-                  <a:schemeClr val="tx1">
-                    <a:tint val="75000"/>
-                  </a:schemeClr>
+                  <a:schemeClr val="accent1"/>
                 </a:solidFill>
               </a:defRPr>
             </a:lvl1pPr>
@@ -3019,26 +3240,63 @@
           </a:p>
         </p:txBody>
       </p:sp>
+      <p:cxnSp>
+        <p:nvCxnSpPr>
+          <p:cNvPr id="10" name="Straight Connector 9"/>
+          <p:cNvCxnSpPr/>
+          <p:nvPr/>
+        </p:nvCxnSpPr>
+        <p:spPr>
+          <a:xfrm>
+            <a:off x="0" y="6128413"/>
+            <a:ext cx="12192000" cy="0"/>
+          </a:xfrm>
+          <a:prstGeom prst="line">
+            <a:avLst/>
+          </a:prstGeom>
+          <a:ln w="12700">
+            <a:solidFill>
+              <a:srgbClr val="000001">
+                <a:alpha val="20000"/>
+              </a:srgbClr>
+            </a:solidFill>
+          </a:ln>
+        </p:spPr>
+        <p:style>
+          <a:lnRef idx="1">
+            <a:schemeClr val="accent1"/>
+          </a:lnRef>
+          <a:fillRef idx="0">
+            <a:schemeClr val="accent1"/>
+          </a:fillRef>
+          <a:effectRef idx="0">
+            <a:schemeClr val="accent1"/>
+          </a:effectRef>
+          <a:fontRef idx="minor">
+            <a:schemeClr val="tx1"/>
+          </a:fontRef>
+        </p:style>
+      </p:cxnSp>
     </p:spTree>
     <p:extLst>
       <p:ext uri="{BB962C8B-B14F-4D97-AF65-F5344CB8AC3E}">
-        <p14:creationId xmlns:p14="http://schemas.microsoft.com/office/powerpoint/2010/main" val="3533435665"/>
+        <p14:creationId xmlns:p14="http://schemas.microsoft.com/office/powerpoint/2010/main" val="160260580"/>
       </p:ext>
     </p:extLst>
   </p:cSld>
   <p:clrMap bg1="lt1" tx1="dk1" bg2="lt2" tx2="dk2" accent1="accent1" accent2="accent2" accent3="accent3" accent4="accent4" accent5="accent5" accent6="accent6" hlink="hlink" folHlink="folHlink"/>
   <p:sldLayoutIdLst>
-    <p:sldLayoutId id="2147483649" r:id="rId1"/>
-    <p:sldLayoutId id="2147483650" r:id="rId2"/>
-    <p:sldLayoutId id="2147483651" r:id="rId3"/>
-    <p:sldLayoutId id="2147483652" r:id="rId4"/>
-    <p:sldLayoutId id="2147483653" r:id="rId5"/>
-    <p:sldLayoutId id="2147483654" r:id="rId6"/>
-    <p:sldLayoutId id="2147483655" r:id="rId7"/>
-    <p:sldLayoutId id="2147483656" r:id="rId8"/>
-    <p:sldLayoutId id="2147483657" r:id="rId9"/>
-    <p:sldLayoutId id="2147483658" r:id="rId10"/>
-    <p:sldLayoutId id="2147483659" r:id="rId11"/>
+    <p:sldLayoutId id="2147483727" r:id="rId1"/>
+    <p:sldLayoutId id="2147483728" r:id="rId2"/>
+    <p:sldLayoutId id="2147483729" r:id="rId3"/>
+    <p:sldLayoutId id="2147483730" r:id="rId4"/>
+    <p:sldLayoutId id="2147483731" r:id="rId5"/>
+    <p:sldLayoutId id="2147483732" r:id="rId6"/>
+    <p:sldLayoutId id="2147483733" r:id="rId7"/>
+    <p:sldLayoutId id="2147483734" r:id="rId8"/>
+    <p:sldLayoutId id="2147483735" r:id="rId9"/>
+    <p:sldLayoutId id="2147483736" r:id="rId10"/>
+    <p:sldLayoutId id="2147483737" r:id="rId11"/>
   </p:sldLayoutIdLst>
   <p:txStyles>
     <p:titleStyle>
@@ -3050,10 +3308,11 @@
           <a:spcPct val="0"/>
         </a:spcBef>
         <a:buNone/>
-        <a:defRPr sz="4400" kern="1200">
+        <a:defRPr sz="3200" b="0" i="0" kern="1200" cap="all">
           <a:solidFill>
             <a:schemeClr val="tx1"/>
           </a:solidFill>
+          <a:effectLst/>
           <a:latin typeface="+mj-lt"/>
           <a:ea typeface="+mj-ea"/>
           <a:cs typeface="+mj-cs"/>
@@ -3063,17 +3322,22 @@
     <p:bodyStyle>
       <a:lvl1pPr marL="228600" indent="-228600" algn="l" defTabSz="914400" rtl="0" eaLnBrk="1" latinLnBrk="0" hangingPunct="1">
         <a:lnSpc>
-          <a:spcPct val="90000"/>
+          <a:spcPct val="120000"/>
         </a:lnSpc>
         <a:spcBef>
           <a:spcPts val="1000"/>
         </a:spcBef>
+        <a:buClr>
+          <a:schemeClr val="accent1"/>
+        </a:buClr>
+        <a:buSzPct val="100000"/>
         <a:buFont typeface="Arial" panose="020B0604020202020204" pitchFamily="34" charset="0"/>
         <a:buChar char="•"/>
-        <a:defRPr sz="2800" kern="1200">
+        <a:defRPr sz="2000" kern="1200">
           <a:solidFill>
             <a:schemeClr val="tx1"/>
           </a:solidFill>
+          <a:effectLst/>
           <a:latin typeface="+mn-lt"/>
           <a:ea typeface="+mn-ea"/>
           <a:cs typeface="+mn-cs"/>
@@ -3081,17 +3345,22 @@
       </a:lvl1pPr>
       <a:lvl2pPr marL="685800" indent="-228600" algn="l" defTabSz="914400" rtl="0" eaLnBrk="1" latinLnBrk="0" hangingPunct="1">
         <a:lnSpc>
-          <a:spcPct val="90000"/>
+          <a:spcPct val="120000"/>
         </a:lnSpc>
         <a:spcBef>
           <a:spcPts val="500"/>
         </a:spcBef>
+        <a:buClr>
+          <a:schemeClr val="accent1"/>
+        </a:buClr>
+        <a:buSzPct val="100000"/>
         <a:buFont typeface="Arial" panose="020B0604020202020204" pitchFamily="34" charset="0"/>
         <a:buChar char="•"/>
-        <a:defRPr sz="2400" kern="1200">
+        <a:defRPr sz="1800" kern="1200" cap="none" baseline="0">
           <a:solidFill>
             <a:schemeClr val="tx1"/>
           </a:solidFill>
+          <a:effectLst/>
           <a:latin typeface="+mn-lt"/>
           <a:ea typeface="+mn-ea"/>
           <a:cs typeface="+mn-cs"/>
@@ -3099,17 +3368,22 @@
       </a:lvl2pPr>
       <a:lvl3pPr marL="1143000" indent="-228600" algn="l" defTabSz="914400" rtl="0" eaLnBrk="1" latinLnBrk="0" hangingPunct="1">
         <a:lnSpc>
-          <a:spcPct val="90000"/>
+          <a:spcPct val="120000"/>
         </a:lnSpc>
         <a:spcBef>
           <a:spcPts val="500"/>
         </a:spcBef>
+        <a:buClr>
+          <a:schemeClr val="accent1"/>
+        </a:buClr>
+        <a:buSzPct val="100000"/>
         <a:buFont typeface="Arial" panose="020B0604020202020204" pitchFamily="34" charset="0"/>
         <a:buChar char="•"/>
-        <a:defRPr sz="2000" kern="1200">
+        <a:defRPr sz="1600" kern="1200">
           <a:solidFill>
             <a:schemeClr val="tx1"/>
           </a:solidFill>
+          <a:effectLst/>
           <a:latin typeface="+mn-lt"/>
           <a:ea typeface="+mn-ea"/>
           <a:cs typeface="+mn-cs"/>
@@ -3117,17 +3391,22 @@
       </a:lvl3pPr>
       <a:lvl4pPr marL="1600200" indent="-228600" algn="l" defTabSz="914400" rtl="0" eaLnBrk="1" latinLnBrk="0" hangingPunct="1">
         <a:lnSpc>
-          <a:spcPct val="90000"/>
+          <a:spcPct val="120000"/>
         </a:lnSpc>
         <a:spcBef>
           <a:spcPts val="500"/>
         </a:spcBef>
+        <a:buClr>
+          <a:schemeClr val="accent1"/>
+        </a:buClr>
+        <a:buSzPct val="100000"/>
         <a:buFont typeface="Arial" panose="020B0604020202020204" pitchFamily="34" charset="0"/>
         <a:buChar char="•"/>
-        <a:defRPr sz="1800" kern="1200">
+        <a:defRPr sz="1400" kern="1200" cap="none" baseline="0">
           <a:solidFill>
             <a:schemeClr val="tx1"/>
           </a:solidFill>
+          <a:effectLst/>
           <a:latin typeface="+mn-lt"/>
           <a:ea typeface="+mn-ea"/>
           <a:cs typeface="+mn-cs"/>
@@ -3135,17 +3414,22 @@
       </a:lvl4pPr>
       <a:lvl5pPr marL="2057400" indent="-228600" algn="l" defTabSz="914400" rtl="0" eaLnBrk="1" latinLnBrk="0" hangingPunct="1">
         <a:lnSpc>
-          <a:spcPct val="90000"/>
+          <a:spcPct val="120000"/>
         </a:lnSpc>
         <a:spcBef>
           <a:spcPts val="500"/>
         </a:spcBef>
+        <a:buClr>
+          <a:schemeClr val="accent1"/>
+        </a:buClr>
+        <a:buSzPct val="100000"/>
         <a:buFont typeface="Arial" panose="020B0604020202020204" pitchFamily="34" charset="0"/>
         <a:buChar char="•"/>
-        <a:defRPr sz="1800" kern="1200">
+        <a:defRPr sz="1200" kern="1200">
           <a:solidFill>
             <a:schemeClr val="tx1"/>
           </a:solidFill>
+          <a:effectLst/>
           <a:latin typeface="+mn-lt"/>
           <a:ea typeface="+mn-ea"/>
           <a:cs typeface="+mn-cs"/>
@@ -3153,17 +3437,22 @@
       </a:lvl5pPr>
       <a:lvl6pPr marL="2514600" indent="-228600" algn="l" defTabSz="914400" rtl="0" eaLnBrk="1" latinLnBrk="0" hangingPunct="1">
         <a:lnSpc>
-          <a:spcPct val="90000"/>
+          <a:spcPct val="120000"/>
         </a:lnSpc>
         <a:spcBef>
           <a:spcPts val="500"/>
         </a:spcBef>
+        <a:buClr>
+          <a:schemeClr val="accent1"/>
+        </a:buClr>
+        <a:buSzPct val="100000"/>
         <a:buFont typeface="Arial" panose="020B0604020202020204" pitchFamily="34" charset="0"/>
         <a:buChar char="•"/>
-        <a:defRPr sz="1800" kern="1200">
+        <a:defRPr sz="1200" kern="1200">
           <a:solidFill>
             <a:schemeClr val="tx1"/>
           </a:solidFill>
+          <a:effectLst/>
           <a:latin typeface="+mn-lt"/>
           <a:ea typeface="+mn-ea"/>
           <a:cs typeface="+mn-cs"/>
@@ -3171,17 +3460,22 @@
       </a:lvl6pPr>
       <a:lvl7pPr marL="2971800" indent="-228600" algn="l" defTabSz="914400" rtl="0" eaLnBrk="1" latinLnBrk="0" hangingPunct="1">
         <a:lnSpc>
-          <a:spcPct val="90000"/>
+          <a:spcPct val="120000"/>
         </a:lnSpc>
         <a:spcBef>
           <a:spcPts val="500"/>
         </a:spcBef>
+        <a:buClr>
+          <a:schemeClr val="accent1"/>
+        </a:buClr>
+        <a:buSzPct val="100000"/>
         <a:buFont typeface="Arial" panose="020B0604020202020204" pitchFamily="34" charset="0"/>
         <a:buChar char="•"/>
-        <a:defRPr sz="1800" kern="1200">
+        <a:defRPr sz="1200" kern="1200">
           <a:solidFill>
             <a:schemeClr val="tx1"/>
           </a:solidFill>
+          <a:effectLst/>
           <a:latin typeface="+mn-lt"/>
           <a:ea typeface="+mn-ea"/>
           <a:cs typeface="+mn-cs"/>
@@ -3189,17 +3483,22 @@
       </a:lvl7pPr>
       <a:lvl8pPr marL="3429000" indent="-228600" algn="l" defTabSz="914400" rtl="0" eaLnBrk="1" latinLnBrk="0" hangingPunct="1">
         <a:lnSpc>
-          <a:spcPct val="90000"/>
+          <a:spcPct val="120000"/>
         </a:lnSpc>
         <a:spcBef>
           <a:spcPts val="500"/>
         </a:spcBef>
+        <a:buClr>
+          <a:schemeClr val="accent1"/>
+        </a:buClr>
+        <a:buSzPct val="100000"/>
         <a:buFont typeface="Arial" panose="020B0604020202020204" pitchFamily="34" charset="0"/>
         <a:buChar char="•"/>
-        <a:defRPr sz="1800" kern="1200">
+        <a:defRPr sz="1200" kern="1200" baseline="0">
           <a:solidFill>
             <a:schemeClr val="tx1"/>
           </a:solidFill>
+          <a:effectLst/>
           <a:latin typeface="+mn-lt"/>
           <a:ea typeface="+mn-ea"/>
           <a:cs typeface="+mn-cs"/>
@@ -3207,17 +3506,22 @@
       </a:lvl8pPr>
       <a:lvl9pPr marL="3886200" indent="-228600" algn="l" defTabSz="914400" rtl="0" eaLnBrk="1" latinLnBrk="0" hangingPunct="1">
         <a:lnSpc>
-          <a:spcPct val="90000"/>
+          <a:spcPct val="120000"/>
         </a:lnSpc>
         <a:spcBef>
           <a:spcPts val="500"/>
         </a:spcBef>
+        <a:buClr>
+          <a:schemeClr val="accent1"/>
+        </a:buClr>
+        <a:buSzPct val="100000"/>
         <a:buFont typeface="Arial" panose="020B0604020202020204" pitchFamily="34" charset="0"/>
         <a:buChar char="•"/>
-        <a:defRPr sz="1800" kern="1200">
+        <a:defRPr sz="1200" kern="1200" baseline="0">
           <a:solidFill>
             <a:schemeClr val="tx1"/>
           </a:solidFill>
+          <a:effectLst/>
           <a:latin typeface="+mn-lt"/>
           <a:ea typeface="+mn-ea"/>
           <a:cs typeface="+mn-cs"/>
@@ -3358,7 +3662,7 @@
         </p:nvSpPr>
         <p:spPr>
           <a:xfrm>
-            <a:off x="1524000" y="456408"/>
+            <a:off x="1524000" y="-326427"/>
             <a:ext cx="9144000" cy="2387600"/>
           </a:xfrm>
         </p:spPr>
@@ -3368,6 +3672,7 @@
           </a:bodyPr>
           <a:lstStyle/>
           <a:p>
+            <a:pPr algn="ctr"/>
             <a:r>
               <a:rPr lang="en-US" b="1" i="0" dirty="0">
                 <a:solidFill>
@@ -3378,15 +3683,6 @@
               </a:rPr>
               <a:t>Exploratory Analysis of Dating Applications</a:t>
             </a:r>
-            <a:br>
-              <a:rPr lang="en-US" b="1" i="0" dirty="0">
-                <a:solidFill>
-                  <a:srgbClr val="24292F"/>
-                </a:solidFill>
-                <a:effectLst/>
-                <a:latin typeface="-apple-system"/>
-              </a:rPr>
-            </a:br>
             <a:endParaRPr lang="en-US" dirty="0"/>
           </a:p>
         </p:txBody>
@@ -3409,7 +3705,7 @@
         </p:nvSpPr>
         <p:spPr>
           <a:xfrm>
-            <a:off x="1447088" y="5642695"/>
+            <a:off x="1524000" y="5484075"/>
             <a:ext cx="9144000" cy="1655762"/>
           </a:xfrm>
         </p:spPr>
@@ -3427,9 +3723,6 @@
               </a:rPr>
               <a:t>Team Members: Ramiro Cervantes, Paola Moreno, Estela Perez</a:t>
             </a:r>
-          </a:p>
-          <a:p>
-            <a:endParaRPr lang="en-US" dirty="0"/>
           </a:p>
         </p:txBody>
       </p:sp>
@@ -3455,7 +3748,7 @@
         </p:blipFill>
         <p:spPr>
           <a:xfrm>
-            <a:off x="4253669" y="2333848"/>
+            <a:off x="4253669" y="2315187"/>
             <a:ext cx="3684662" cy="2763497"/>
           </a:xfrm>
           <a:prstGeom prst="rect">
@@ -3511,7 +3804,9 @@
         </p:nvSpPr>
         <p:spPr/>
         <p:txBody>
-          <a:bodyPr/>
+          <a:bodyPr>
+            <a:normAutofit/>
+          </a:bodyPr>
           <a:lstStyle/>
           <a:p>
             <a:pPr algn="ctr"/>
@@ -3603,7 +3898,9 @@
         </p:nvSpPr>
         <p:spPr/>
         <p:txBody>
-          <a:bodyPr/>
+          <a:bodyPr>
+            <a:normAutofit/>
+          </a:bodyPr>
           <a:lstStyle/>
           <a:p>
             <a:pPr algn="ctr"/>
@@ -3789,8 +4086,8 @@
         </p:blipFill>
         <p:spPr>
           <a:xfrm>
-            <a:off x="3352800" y="1943894"/>
-            <a:ext cx="5486400" cy="4114800"/>
+            <a:off x="3953404" y="2016125"/>
+            <a:ext cx="4599517" cy="3449638"/>
           </a:xfrm>
           <a:prstGeom prst="rect">
             <a:avLst/>
@@ -4565,7 +4862,9 @@
         </p:nvSpPr>
         <p:spPr/>
         <p:txBody>
-          <a:bodyPr/>
+          <a:bodyPr>
+            <a:normAutofit fontScale="92500" lnSpcReduction="20000"/>
+          </a:bodyPr>
           <a:lstStyle/>
           <a:p>
             <a:pPr marL="0" indent="0">
@@ -4814,7 +5113,9 @@
         </p:nvSpPr>
         <p:spPr/>
         <p:txBody>
-          <a:bodyPr/>
+          <a:bodyPr>
+            <a:normAutofit/>
+          </a:bodyPr>
           <a:lstStyle/>
           <a:p>
             <a:r>
@@ -4902,7 +5203,12 @@
             <p:ph type="title"/>
           </p:nvPr>
         </p:nvSpPr>
-        <p:spPr/>
+        <p:spPr>
+          <a:xfrm>
+            <a:off x="1295402" y="916818"/>
+            <a:ext cx="9601196" cy="1303867"/>
+          </a:xfrm>
+        </p:spPr>
         <p:txBody>
           <a:bodyPr/>
           <a:lstStyle/>
@@ -4949,7 +5255,7 @@
         </p:blipFill>
         <p:spPr bwMode="auto">
           <a:xfrm>
-            <a:off x="4038600" y="2149914"/>
+            <a:off x="4038600" y="1936104"/>
             <a:ext cx="4114800" cy="4114800"/>
           </a:xfrm>
           <a:prstGeom prst="rect">
@@ -5049,8 +5355,8 @@
         </p:blipFill>
         <p:spPr>
           <a:xfrm>
-            <a:off x="4192290" y="1825625"/>
-            <a:ext cx="3807420" cy="4351338"/>
+            <a:off x="4280577" y="1903943"/>
+            <a:ext cx="3630845" cy="4149538"/>
           </a:xfrm>
           <a:prstGeom prst="rect">
             <a:avLst/>
@@ -5139,15 +5445,14 @@
               </a:ext>
             </a:extLst>
           </a:blip>
-          <a:srcRect/>
           <a:stretch>
             <a:fillRect/>
           </a:stretch>
         </p:blipFill>
         <p:spPr bwMode="auto">
           <a:xfrm>
-            <a:off x="2469885" y="1825625"/>
-            <a:ext cx="7252230" cy="4351338"/>
+            <a:off x="3378517" y="2240059"/>
+            <a:ext cx="5749397" cy="3449638"/>
           </a:xfrm>
           <a:prstGeom prst="rect">
             <a:avLst/>
@@ -5246,8 +5551,8 @@
         </p:blipFill>
         <p:spPr>
           <a:xfrm>
-            <a:off x="2469885" y="1825625"/>
-            <a:ext cx="7252230" cy="4351338"/>
+            <a:off x="3378518" y="2193406"/>
+            <a:ext cx="5749396" cy="3449638"/>
           </a:xfrm>
           <a:prstGeom prst="rect">
             <a:avLst/>
@@ -5343,15 +5648,14 @@
               </a:ext>
             </a:extLst>
           </a:blip>
-          <a:srcRect/>
           <a:stretch>
             <a:fillRect/>
           </a:stretch>
         </p:blipFill>
         <p:spPr bwMode="auto">
           <a:xfrm>
-            <a:off x="2016621" y="1825625"/>
-            <a:ext cx="8158758" cy="4351338"/>
+            <a:off x="3019180" y="2230729"/>
+            <a:ext cx="6468071" cy="3449638"/>
           </a:xfrm>
           <a:prstGeom prst="rect">
             <a:avLst/>
@@ -5382,9 +5686,9 @@
 </file>
 
 <file path=ppt/theme/theme1.xml><?xml version="1.0" encoding="utf-8"?>
-<a:theme xmlns:a="http://schemas.openxmlformats.org/drawingml/2006/main" name="Office Theme">
+<a:theme xmlns:a="http://schemas.openxmlformats.org/drawingml/2006/main" name="Gallery">
   <a:themeElements>
-    <a:clrScheme name="Office">
+    <a:clrScheme name="Gallery">
       <a:dk1>
         <a:sysClr val="windowText" lastClr="000000"/>
       </a:dk1>
@@ -5392,39 +5696,39 @@
         <a:sysClr val="window" lastClr="FFFFFF"/>
       </a:lt1>
       <a:dk2>
-        <a:srgbClr val="44546A"/>
+        <a:srgbClr val="454545"/>
       </a:dk2>
       <a:lt2>
-        <a:srgbClr val="E7E6E6"/>
+        <a:srgbClr val="DFDBD5"/>
       </a:lt2>
       <a:accent1>
-        <a:srgbClr val="4472C4"/>
+        <a:srgbClr val="B71E42"/>
       </a:accent1>
       <a:accent2>
-        <a:srgbClr val="ED7D31"/>
+        <a:srgbClr val="DE478E"/>
       </a:accent2>
       <a:accent3>
-        <a:srgbClr val="A5A5A5"/>
+        <a:srgbClr val="BC72F0"/>
       </a:accent3>
       <a:accent4>
-        <a:srgbClr val="FFC000"/>
+        <a:srgbClr val="795FAF"/>
       </a:accent4>
       <a:accent5>
-        <a:srgbClr val="5B9BD5"/>
+        <a:srgbClr val="586EA6"/>
       </a:accent5>
       <a:accent6>
-        <a:srgbClr val="70AD47"/>
+        <a:srgbClr val="6892A0"/>
       </a:accent6>
       <a:hlink>
-        <a:srgbClr val="0563C1"/>
+        <a:srgbClr val="FA2B5C"/>
       </a:hlink>
       <a:folHlink>
-        <a:srgbClr val="954F72"/>
+        <a:srgbClr val="BC658E"/>
       </a:folHlink>
     </a:clrScheme>
-    <a:fontScheme name="Office">
+    <a:fontScheme name="Gallery">
       <a:majorFont>
-        <a:latin typeface="Calibri Light" panose="020F0302020204030204"/>
+        <a:latin typeface="Gill Sans MT" panose="020B0502020104020203"/>
         <a:ea typeface=""/>
         <a:cs typeface=""/>
         <a:font script="Jpan" typeface="游ゴシック Light"/>
@@ -5457,26 +5761,9 @@
         <a:font script="Viet" typeface="Times New Roman"/>
         <a:font script="Uigh" typeface="Microsoft Uighur"/>
         <a:font script="Geor" typeface="Sylfaen"/>
-        <a:font script="Armn" typeface="Arial"/>
-        <a:font script="Bugi" typeface="Leelawadee UI"/>
-        <a:font script="Bopo" typeface="Microsoft JhengHei"/>
-        <a:font script="Java" typeface="Javanese Text"/>
-        <a:font script="Lisu" typeface="Segoe UI"/>
-        <a:font script="Mymr" typeface="Myanmar Text"/>
-        <a:font script="Nkoo" typeface="Ebrima"/>
-        <a:font script="Olck" typeface="Nirmala UI"/>
-        <a:font script="Osma" typeface="Ebrima"/>
-        <a:font script="Phag" typeface="Phagspa"/>
-        <a:font script="Syrn" typeface="Estrangelo Edessa"/>
-        <a:font script="Syrj" typeface="Estrangelo Edessa"/>
-        <a:font script="Syre" typeface="Estrangelo Edessa"/>
-        <a:font script="Sora" typeface="Nirmala UI"/>
-        <a:font script="Tale" typeface="Microsoft Tai Le"/>
-        <a:font script="Talu" typeface="Microsoft New Tai Lue"/>
-        <a:font script="Tfng" typeface="Ebrima"/>
       </a:majorFont>
       <a:minorFont>
-        <a:latin typeface="Calibri" panose="020F0502020204030204"/>
+        <a:latin typeface="Gill Sans MT" panose="020B0502020104020203"/>
         <a:ea typeface=""/>
         <a:cs typeface=""/>
         <a:font script="Jpan" typeface="游ゴシック"/>
@@ -5509,26 +5796,9 @@
         <a:font script="Viet" typeface="Arial"/>
         <a:font script="Uigh" typeface="Microsoft Uighur"/>
         <a:font script="Geor" typeface="Sylfaen"/>
-        <a:font script="Armn" typeface="Arial"/>
-        <a:font script="Bugi" typeface="Leelawadee UI"/>
-        <a:font script="Bopo" typeface="Microsoft JhengHei"/>
-        <a:font script="Java" typeface="Javanese Text"/>
-        <a:font script="Lisu" typeface="Segoe UI"/>
-        <a:font script="Mymr" typeface="Myanmar Text"/>
-        <a:font script="Nkoo" typeface="Ebrima"/>
-        <a:font script="Olck" typeface="Nirmala UI"/>
-        <a:font script="Osma" typeface="Ebrima"/>
-        <a:font script="Phag" typeface="Phagspa"/>
-        <a:font script="Syrn" typeface="Estrangelo Edessa"/>
-        <a:font script="Syrj" typeface="Estrangelo Edessa"/>
-        <a:font script="Syre" typeface="Estrangelo Edessa"/>
-        <a:font script="Sora" typeface="Nirmala UI"/>
-        <a:font script="Tale" typeface="Microsoft Tai Le"/>
-        <a:font script="Talu" typeface="Microsoft New Tai Lue"/>
-        <a:font script="Tfng" typeface="Ebrima"/>
       </a:minorFont>
     </a:fontScheme>
-    <a:fmtScheme name="Office">
+    <a:fmtScheme name="Gallery">
       <a:fillStyleLst>
         <a:solidFill>
           <a:schemeClr val="phClr"/>
@@ -5537,23 +5807,18 @@
           <a:gsLst>
             <a:gs pos="0">
               <a:schemeClr val="phClr">
+                <a:tint val="54000"/>
+                <a:alpha val="100000"/>
+                <a:satMod val="105000"/>
                 <a:lumMod val="110000"/>
-                <a:satMod val="105000"/>
-                <a:tint val="67000"/>
-              </a:schemeClr>
-            </a:gs>
-            <a:gs pos="50000">
-              <a:schemeClr val="phClr">
-                <a:lumMod val="105000"/>
-                <a:satMod val="103000"/>
-                <a:tint val="73000"/>
               </a:schemeClr>
             </a:gs>
             <a:gs pos="100000">
               <a:schemeClr val="phClr">
-                <a:lumMod val="105000"/>
+                <a:tint val="78000"/>
+                <a:alpha val="92000"/>
                 <a:satMod val="109000"/>
-                <a:tint val="81000"/>
+                <a:lumMod val="100000"/>
               </a:schemeClr>
             </a:gs>
           </a:gsLst>
@@ -5563,23 +5828,23 @@
           <a:gsLst>
             <a:gs pos="0">
               <a:schemeClr val="phClr">
-                <a:satMod val="103000"/>
-                <a:lumMod val="102000"/>
-                <a:tint val="94000"/>
+                <a:tint val="98000"/>
+                <a:satMod val="110000"/>
+                <a:lumMod val="104000"/>
               </a:schemeClr>
             </a:gs>
-            <a:gs pos="50000">
+            <a:gs pos="69000">
               <a:schemeClr val="phClr">
-                <a:satMod val="110000"/>
-                <a:lumMod val="100000"/>
-                <a:shade val="100000"/>
+                <a:shade val="88000"/>
+                <a:satMod val="130000"/>
+                <a:lumMod val="92000"/>
               </a:schemeClr>
             </a:gs>
             <a:gs pos="100000">
               <a:schemeClr val="phClr">
-                <a:lumMod val="99000"/>
-                <a:satMod val="120000"/>
                 <a:shade val="78000"/>
+                <a:satMod val="130000"/>
+                <a:lumMod val="92000"/>
               </a:schemeClr>
             </a:gs>
           </a:gsLst>
@@ -5587,26 +5852,23 @@
         </a:gradFill>
       </a:fillStyleLst>
       <a:lnStyleLst>
-        <a:ln w="6350" cap="flat" cmpd="sng" algn="ctr">
+        <a:ln w="9525" cap="flat" cmpd="sng" algn="ctr">
           <a:solidFill>
             <a:schemeClr val="phClr"/>
           </a:solidFill>
           <a:prstDash val="solid"/>
-          <a:miter lim="800000"/>
         </a:ln>
-        <a:ln w="12700" cap="flat" cmpd="sng" algn="ctr">
+        <a:ln w="15875" cap="flat" cmpd="sng" algn="ctr">
           <a:solidFill>
             <a:schemeClr val="phClr"/>
           </a:solidFill>
           <a:prstDash val="solid"/>
-          <a:miter lim="800000"/>
         </a:ln>
-        <a:ln w="19050" cap="flat" cmpd="sng" algn="ctr">
+        <a:ln w="22225" cap="flat" cmpd="sng" algn="ctr">
           <a:solidFill>
             <a:schemeClr val="phClr"/>
           </a:solidFill>
           <a:prstDash val="solid"/>
-          <a:miter lim="800000"/>
         </a:ln>
       </a:lnStyleLst>
       <a:effectStyleLst>
@@ -5618,12 +5880,23 @@
         </a:effectStyle>
         <a:effectStyle>
           <a:effectLst>
-            <a:outerShdw blurRad="57150" dist="19050" dir="5400000" algn="ctr" rotWithShape="0">
+            <a:outerShdw blurRad="50800" dist="50800" dir="5400000" sx="96000" sy="96000" rotWithShape="0">
               <a:srgbClr val="000000">
-                <a:alpha val="63000"/>
+                <a:alpha val="48000"/>
               </a:srgbClr>
             </a:outerShdw>
           </a:effectLst>
+          <a:scene3d>
+            <a:camera prst="orthographicFront">
+              <a:rot lat="0" lon="0" rev="0"/>
+            </a:camera>
+            <a:lightRig rig="balanced" dir="t">
+              <a:rot lat="0" lon="0" rev="1080000"/>
+            </a:lightRig>
+          </a:scene3d>
+          <a:sp3d>
+            <a:bevelT w="38100" h="12700" prst="softRound"/>
+          </a:sp3d>
         </a:effectStyle>
       </a:effectStyleLst>
       <a:bgFillStyleLst>
@@ -5631,37 +5904,26 @@
           <a:schemeClr val="phClr"/>
         </a:solidFill>
         <a:solidFill>
-          <a:schemeClr val="phClr">
-            <a:tint val="95000"/>
-            <a:satMod val="170000"/>
-          </a:schemeClr>
+          <a:schemeClr val="phClr"/>
         </a:solidFill>
         <a:gradFill rotWithShape="1">
           <a:gsLst>
             <a:gs pos="0">
               <a:schemeClr val="phClr">
-                <a:tint val="93000"/>
-                <a:satMod val="150000"/>
-                <a:shade val="98000"/>
-                <a:lumMod val="102000"/>
-              </a:schemeClr>
-            </a:gs>
-            <a:gs pos="50000">
-              <a:schemeClr val="phClr">
-                <a:tint val="98000"/>
-                <a:satMod val="130000"/>
-                <a:shade val="90000"/>
-                <a:lumMod val="103000"/>
+                <a:tint val="94000"/>
+                <a:satMod val="80000"/>
+                <a:lumMod val="106000"/>
               </a:schemeClr>
             </a:gs>
             <a:gs pos="100000">
               <a:schemeClr val="phClr">
-                <a:shade val="63000"/>
-                <a:satMod val="120000"/>
+                <a:shade val="80000"/>
               </a:schemeClr>
             </a:gs>
           </a:gsLst>
-          <a:lin ang="5400000" scaled="0"/>
+          <a:path path="circle">
+            <a:fillToRect l="43000" r="43000" b="100000"/>
+          </a:path>
         </a:gradFill>
       </a:bgFillStyleLst>
     </a:fmtScheme>
@@ -5670,7 +5932,7 @@
   <a:extraClrSchemeLst/>
   <a:extLst>
     <a:ext uri="{05A4C25C-085E-4340-85A3-A5531E510DB2}">
-      <thm15:themeFamily xmlns:thm15="http://schemas.microsoft.com/office/thememl/2012/main" name="Office Theme" id="{62F939B6-93AF-4DB8-9C6B-D6C7DFDC589F}" vid="{4A3C46E8-61CC-4603-A589-7422A47A8E4A}"/>
+      <thm15:themeFamily xmlns:thm15="http://schemas.microsoft.com/office/thememl/2012/main" name="Gallery" id="{BBFCD31E-59A1-489D-B089-A3EAD7CAE12E}" vid="{F5E91637-A7B6-4E27-B710-77DA7014EE1E}"/>
     </a:ext>
   </a:extLst>
 </a:theme>
